--- a/2A/Electronique/Legende_PCB_puissance.pptx
+++ b/2A/Electronique/Legende_PCB_puissance.pptx
@@ -259,7 +259,7 @@
           <a:p>
             <a:fld id="{AA001079-44CE-4A24-B4AB-9B1D613B0E53}" type="datetimeFigureOut">
               <a:rPr lang="fr-FR" smtClean="0"/>
-              <a:t>05/02/2024</a:t>
+              <a:t>12/03/2024</a:t>
             </a:fld>
             <a:endParaRPr lang="fr-FR"/>
           </a:p>
@@ -457,7 +457,7 @@
           <a:p>
             <a:fld id="{AA001079-44CE-4A24-B4AB-9B1D613B0E53}" type="datetimeFigureOut">
               <a:rPr lang="fr-FR" smtClean="0"/>
-              <a:t>05/02/2024</a:t>
+              <a:t>12/03/2024</a:t>
             </a:fld>
             <a:endParaRPr lang="fr-FR"/>
           </a:p>
@@ -665,7 +665,7 @@
           <a:p>
             <a:fld id="{AA001079-44CE-4A24-B4AB-9B1D613B0E53}" type="datetimeFigureOut">
               <a:rPr lang="fr-FR" smtClean="0"/>
-              <a:t>05/02/2024</a:t>
+              <a:t>12/03/2024</a:t>
             </a:fld>
             <a:endParaRPr lang="fr-FR"/>
           </a:p>
@@ -863,7 +863,7 @@
           <a:p>
             <a:fld id="{AA001079-44CE-4A24-B4AB-9B1D613B0E53}" type="datetimeFigureOut">
               <a:rPr lang="fr-FR" smtClean="0"/>
-              <a:t>05/02/2024</a:t>
+              <a:t>12/03/2024</a:t>
             </a:fld>
             <a:endParaRPr lang="fr-FR"/>
           </a:p>
@@ -1138,7 +1138,7 @@
           <a:p>
             <a:fld id="{AA001079-44CE-4A24-B4AB-9B1D613B0E53}" type="datetimeFigureOut">
               <a:rPr lang="fr-FR" smtClean="0"/>
-              <a:t>05/02/2024</a:t>
+              <a:t>12/03/2024</a:t>
             </a:fld>
             <a:endParaRPr lang="fr-FR"/>
           </a:p>
@@ -1403,7 +1403,7 @@
           <a:p>
             <a:fld id="{AA001079-44CE-4A24-B4AB-9B1D613B0E53}" type="datetimeFigureOut">
               <a:rPr lang="fr-FR" smtClean="0"/>
-              <a:t>05/02/2024</a:t>
+              <a:t>12/03/2024</a:t>
             </a:fld>
             <a:endParaRPr lang="fr-FR"/>
           </a:p>
@@ -1815,7 +1815,7 @@
           <a:p>
             <a:fld id="{AA001079-44CE-4A24-B4AB-9B1D613B0E53}" type="datetimeFigureOut">
               <a:rPr lang="fr-FR" smtClean="0"/>
-              <a:t>05/02/2024</a:t>
+              <a:t>12/03/2024</a:t>
             </a:fld>
             <a:endParaRPr lang="fr-FR"/>
           </a:p>
@@ -1956,7 +1956,7 @@
           <a:p>
             <a:fld id="{AA001079-44CE-4A24-B4AB-9B1D613B0E53}" type="datetimeFigureOut">
               <a:rPr lang="fr-FR" smtClean="0"/>
-              <a:t>05/02/2024</a:t>
+              <a:t>12/03/2024</a:t>
             </a:fld>
             <a:endParaRPr lang="fr-FR"/>
           </a:p>
@@ -2069,7 +2069,7 @@
           <a:p>
             <a:fld id="{AA001079-44CE-4A24-B4AB-9B1D613B0E53}" type="datetimeFigureOut">
               <a:rPr lang="fr-FR" smtClean="0"/>
-              <a:t>05/02/2024</a:t>
+              <a:t>12/03/2024</a:t>
             </a:fld>
             <a:endParaRPr lang="fr-FR"/>
           </a:p>
@@ -2380,7 +2380,7 @@
           <a:p>
             <a:fld id="{AA001079-44CE-4A24-B4AB-9B1D613B0E53}" type="datetimeFigureOut">
               <a:rPr lang="fr-FR" smtClean="0"/>
-              <a:t>05/02/2024</a:t>
+              <a:t>12/03/2024</a:t>
             </a:fld>
             <a:endParaRPr lang="fr-FR"/>
           </a:p>
@@ -2668,7 +2668,7 @@
           <a:p>
             <a:fld id="{AA001079-44CE-4A24-B4AB-9B1D613B0E53}" type="datetimeFigureOut">
               <a:rPr lang="fr-FR" smtClean="0"/>
-              <a:t>05/02/2024</a:t>
+              <a:t>12/03/2024</a:t>
             </a:fld>
             <a:endParaRPr lang="fr-FR"/>
           </a:p>
@@ -2909,7 +2909,7 @@
           <a:p>
             <a:fld id="{AA001079-44CE-4A24-B4AB-9B1D613B0E53}" type="datetimeFigureOut">
               <a:rPr lang="fr-FR" smtClean="0"/>
-              <a:t>05/02/2024</a:t>
+              <a:t>12/03/2024</a:t>
             </a:fld>
             <a:endParaRPr lang="fr-FR"/>
           </a:p>
@@ -3328,10 +3328,10 @@
       </p:grpSpPr>
       <p:pic>
         <p:nvPicPr>
-          <p:cNvPr id="5" name="Image 4">
-            <a:extLst>
-              <a:ext uri="{FF2B5EF4-FFF2-40B4-BE49-F238E27FC236}">
-                <a16:creationId xmlns:a16="http://schemas.microsoft.com/office/drawing/2014/main" id="{5064E6B8-58D8-077A-9202-5A0F7EAE46DE}"/>
+          <p:cNvPr id="48" name="Image 47">
+            <a:extLst>
+              <a:ext uri="{FF2B5EF4-FFF2-40B4-BE49-F238E27FC236}">
+                <a16:creationId xmlns:a16="http://schemas.microsoft.com/office/drawing/2014/main" id="{814A0764-322C-D852-3878-CB24EBAE86A1}"/>
               </a:ext>
             </a:extLst>
           </p:cNvPr>
@@ -3348,8 +3348,8 @@
         </p:blipFill>
         <p:spPr>
           <a:xfrm>
-            <a:off x="2351314" y="274320"/>
-            <a:ext cx="7397473" cy="6388727"/>
+            <a:off x="2317315" y="272156"/>
+            <a:ext cx="7400529" cy="6382644"/>
           </a:xfrm>
           <a:prstGeom prst="rect">
             <a:avLst/>
@@ -3370,12 +3370,17 @@
         </p:nvSpPr>
         <p:spPr>
           <a:xfrm>
-            <a:off x="3367246" y="5235047"/>
+            <a:off x="3335037" y="5274096"/>
             <a:ext cx="827727" cy="654381"/>
           </a:xfrm>
           <a:prstGeom prst="rect">
             <a:avLst/>
           </a:prstGeom>
+          <a:solidFill>
+            <a:schemeClr val="accent3">
+              <a:alpha val="90000"/>
+            </a:schemeClr>
+          </a:solidFill>
         </p:spPr>
         <p:style>
           <a:lnRef idx="2">
@@ -3399,8 +3404,20 @@
           <a:p>
             <a:pPr algn="ctr"/>
             <a:r>
+              <a:rPr lang="fr-FR" sz="1100" dirty="0" err="1"/>
+              <a:t>Connector</a:t>
+            </a:r>
+            <a:endParaRPr lang="fr-FR" sz="1100" dirty="0"/>
+          </a:p>
+          <a:p>
+            <a:pPr algn="ctr"/>
+            <a:endParaRPr lang="fr-FR" sz="1100" dirty="0"/>
+          </a:p>
+          <a:p>
+            <a:pPr algn="ctr"/>
+            <a:r>
               <a:rPr lang="fr-FR" sz="1100" dirty="0"/>
-              <a:t>Conn Phi_Step_1</a:t>
+              <a:t> Phi_Step_1</a:t>
             </a:r>
           </a:p>
         </p:txBody>
@@ -3419,12 +3436,17 @@
         </p:nvSpPr>
         <p:spPr>
           <a:xfrm>
-            <a:off x="4383178" y="5235046"/>
+            <a:off x="4404924" y="5249842"/>
             <a:ext cx="827727" cy="654381"/>
           </a:xfrm>
           <a:prstGeom prst="rect">
             <a:avLst/>
           </a:prstGeom>
+          <a:solidFill>
+            <a:schemeClr val="accent3">
+              <a:alpha val="90000"/>
+            </a:schemeClr>
+          </a:solidFill>
         </p:spPr>
         <p:style>
           <a:lnRef idx="2">
@@ -3448,8 +3470,20 @@
           <a:p>
             <a:pPr algn="ctr"/>
             <a:r>
+              <a:rPr lang="fr-FR" sz="1100" dirty="0" err="1"/>
+              <a:t>Connector</a:t>
+            </a:r>
+            <a:endParaRPr lang="fr-FR" sz="1100" dirty="0"/>
+          </a:p>
+          <a:p>
+            <a:pPr algn="ctr"/>
+            <a:endParaRPr lang="fr-FR" sz="1100" dirty="0"/>
+          </a:p>
+          <a:p>
+            <a:pPr algn="ctr"/>
+            <a:r>
               <a:rPr lang="fr-FR" sz="1100" dirty="0"/>
-              <a:t>Conn Phi_Step_3</a:t>
+              <a:t> Phi_Step_3</a:t>
             </a:r>
           </a:p>
         </p:txBody>
@@ -3468,12 +3502,17 @@
         </p:nvSpPr>
         <p:spPr>
           <a:xfrm>
-            <a:off x="3367245" y="5931463"/>
+            <a:off x="3335038" y="5964448"/>
             <a:ext cx="827727" cy="654381"/>
           </a:xfrm>
           <a:prstGeom prst="rect">
             <a:avLst/>
           </a:prstGeom>
+          <a:solidFill>
+            <a:schemeClr val="accent3">
+              <a:alpha val="90000"/>
+            </a:schemeClr>
+          </a:solidFill>
         </p:spPr>
         <p:style>
           <a:lnRef idx="2">
@@ -3501,8 +3540,20 @@
           <a:p>
             <a:pPr algn="ctr"/>
             <a:r>
+              <a:rPr lang="fr-FR" sz="1100" dirty="0" err="1"/>
+              <a:t>Connector</a:t>
+            </a:r>
+            <a:endParaRPr lang="fr-FR" sz="1100" dirty="0"/>
+          </a:p>
+          <a:p>
+            <a:pPr algn="ctr"/>
+            <a:endParaRPr lang="fr-FR" sz="1100" dirty="0"/>
+          </a:p>
+          <a:p>
+            <a:pPr algn="ctr"/>
+            <a:r>
               <a:rPr lang="fr-FR" sz="1100" dirty="0"/>
-              <a:t>Conn Phi_Step_2</a:t>
+              <a:t> Phi_Step_2</a:t>
             </a:r>
           </a:p>
           <a:p>
@@ -3525,12 +3576,17 @@
         </p:nvSpPr>
         <p:spPr>
           <a:xfrm>
-            <a:off x="4383178" y="5929299"/>
+            <a:off x="4401855" y="5968987"/>
             <a:ext cx="827727" cy="654381"/>
           </a:xfrm>
           <a:prstGeom prst="rect">
             <a:avLst/>
           </a:prstGeom>
+          <a:solidFill>
+            <a:schemeClr val="accent3">
+              <a:alpha val="90000"/>
+            </a:schemeClr>
+          </a:solidFill>
         </p:spPr>
         <p:style>
           <a:lnRef idx="2">
@@ -3554,8 +3610,20 @@
           <a:p>
             <a:pPr algn="ctr"/>
             <a:r>
+              <a:rPr lang="fr-FR" sz="1100" dirty="0" err="1"/>
+              <a:t>Connector</a:t>
+            </a:r>
+            <a:endParaRPr lang="fr-FR" sz="1100" dirty="0"/>
+          </a:p>
+          <a:p>
+            <a:pPr algn="ctr"/>
+            <a:endParaRPr lang="fr-FR" sz="1100" dirty="0"/>
+          </a:p>
+          <a:p>
+            <a:pPr algn="ctr"/>
+            <a:r>
               <a:rPr lang="fr-FR" sz="1100" dirty="0"/>
-              <a:t>Conn Phi_Step_4</a:t>
+              <a:t> Phi_Step_4</a:t>
             </a:r>
           </a:p>
         </p:txBody>
@@ -3574,14 +3642,16 @@
         </p:nvSpPr>
         <p:spPr>
           <a:xfrm>
-            <a:off x="5412728" y="5183045"/>
+            <a:off x="5361457" y="5251475"/>
             <a:ext cx="1668455" cy="1368382"/>
           </a:xfrm>
           <a:prstGeom prst="rect">
             <a:avLst/>
           </a:prstGeom>
           <a:solidFill>
-            <a:schemeClr val="bg1"/>
+            <a:schemeClr val="bg1">
+              <a:alpha val="90000"/>
+            </a:schemeClr>
           </a:solidFill>
         </p:spPr>
         <p:style>
@@ -3601,27 +3671,139 @@
           </a:fontRef>
         </p:style>
         <p:txBody>
-          <a:bodyPr rtlCol="0" anchor="ctr"/>
-          <a:lstStyle/>
-          <a:p>
-            <a:pPr algn="ctr"/>
-            <a:r>
-              <a:rPr lang="fr-FR" dirty="0">
+          <a:bodyPr tIns="0" rtlCol="0" anchor="t" anchorCtr="0"/>
+          <a:lstStyle/>
+          <a:p>
+            <a:r>
+              <a:rPr lang="fr-FR" sz="1050" dirty="0">
                 <a:solidFill>
                   <a:schemeClr val="tx1"/>
                 </a:solidFill>
               </a:rPr>
-              <a:t>Module capteur de couleurs</a:t>
-            </a:r>
-          </a:p>
-        </p:txBody>
-      </p:sp>
-      <p:sp>
-        <p:nvSpPr>
-          <p:cNvPr id="12" name="Rectangle 11">
-            <a:extLst>
-              <a:ext uri="{FF2B5EF4-FFF2-40B4-BE49-F238E27FC236}">
-                <a16:creationId xmlns:a16="http://schemas.microsoft.com/office/drawing/2014/main" id="{4BC45455-4DD3-F762-97A8-8FD32341862B}"/>
+              <a:t>     Capteur de Couleur</a:t>
+            </a:r>
+            <a:endParaRPr lang="fr-FR" sz="700" dirty="0">
+              <a:solidFill>
+                <a:schemeClr val="tx1"/>
+              </a:solidFill>
+            </a:endParaRPr>
+          </a:p>
+          <a:p>
+            <a:r>
+              <a:rPr lang="fr-FR" sz="700" dirty="0">
+                <a:solidFill>
+                  <a:schemeClr val="tx1"/>
+                </a:solidFill>
+              </a:rPr>
+              <a:t>     GND</a:t>
+            </a:r>
+            <a:r>
+              <a:rPr lang="fr-FR" sz="1050" dirty="0">
+                <a:solidFill>
+                  <a:schemeClr val="tx1"/>
+                </a:solidFill>
+              </a:rPr>
+              <a:t>    </a:t>
+            </a:r>
+            <a:r>
+              <a:rPr lang="fr-FR" sz="800" dirty="0">
+                <a:solidFill>
+                  <a:srgbClr val="FF0000"/>
+                </a:solidFill>
+              </a:rPr>
+              <a:t>+5v</a:t>
+            </a:r>
+            <a:r>
+              <a:rPr lang="fr-FR" sz="800" dirty="0">
+                <a:solidFill>
+                  <a:schemeClr val="tx1"/>
+                </a:solidFill>
+              </a:rPr>
+              <a:t>      GND   </a:t>
+            </a:r>
+            <a:r>
+              <a:rPr lang="fr-FR" sz="800" dirty="0" err="1">
+                <a:solidFill>
+                  <a:schemeClr val="tx1"/>
+                </a:solidFill>
+              </a:rPr>
+              <a:t>GND</a:t>
+            </a:r>
+            <a:r>
+              <a:rPr lang="fr-FR" sz="800" dirty="0">
+                <a:solidFill>
+                  <a:schemeClr val="tx1"/>
+                </a:solidFill>
+              </a:rPr>
+              <a:t>   </a:t>
+            </a:r>
+            <a:r>
+              <a:rPr lang="fr-FR" sz="800" dirty="0">
+                <a:solidFill>
+                  <a:srgbClr val="FF0000"/>
+                </a:solidFill>
+              </a:rPr>
+              <a:t>+3v3</a:t>
+            </a:r>
+            <a:endParaRPr lang="fr-FR" sz="1050" dirty="0">
+              <a:solidFill>
+                <a:srgbClr val="FF0000"/>
+              </a:solidFill>
+            </a:endParaRPr>
+          </a:p>
+          <a:p>
+            <a:endParaRPr lang="fr-FR" sz="700" dirty="0">
+              <a:solidFill>
+                <a:schemeClr val="tx1"/>
+              </a:solidFill>
+            </a:endParaRPr>
+          </a:p>
+          <a:p>
+            <a:endParaRPr lang="fr-FR" sz="1050" dirty="0">
+              <a:solidFill>
+                <a:schemeClr val="tx1"/>
+              </a:solidFill>
+            </a:endParaRPr>
+          </a:p>
+          <a:p>
+            <a:endParaRPr lang="fr-FR" sz="1050" dirty="0">
+              <a:solidFill>
+                <a:schemeClr val="tx1"/>
+              </a:solidFill>
+            </a:endParaRPr>
+          </a:p>
+          <a:p>
+            <a:endParaRPr lang="fr-FR" sz="1050" dirty="0">
+              <a:solidFill>
+                <a:schemeClr val="tx1"/>
+              </a:solidFill>
+            </a:endParaRPr>
+          </a:p>
+          <a:p>
+            <a:r>
+              <a:rPr lang="fr-FR" sz="1050" dirty="0">
+                <a:solidFill>
+                  <a:schemeClr val="tx1"/>
+                </a:solidFill>
+              </a:rPr>
+              <a:t>   Out    S3     S2    S1     S0</a:t>
+            </a:r>
+          </a:p>
+          <a:p>
+            <a:endParaRPr lang="fr-FR" sz="1050" dirty="0">
+              <a:solidFill>
+                <a:schemeClr val="tx1"/>
+              </a:solidFill>
+            </a:endParaRPr>
+          </a:p>
+        </p:txBody>
+      </p:sp>
+      <p:sp>
+        <p:nvSpPr>
+          <p:cNvPr id="14" name="Rectangle 13">
+            <a:extLst>
+              <a:ext uri="{FF2B5EF4-FFF2-40B4-BE49-F238E27FC236}">
+                <a16:creationId xmlns:a16="http://schemas.microsoft.com/office/drawing/2014/main" id="{E65882C3-896B-F329-4725-4FD20FA46373}"/>
               </a:ext>
             </a:extLst>
           </p:cNvPr>
@@ -3630,12 +3812,151 @@
         </p:nvSpPr>
         <p:spPr>
           <a:xfrm>
-            <a:off x="7199378" y="5235045"/>
+            <a:off x="3404377" y="4319847"/>
+            <a:ext cx="689050" cy="863198"/>
+          </a:xfrm>
+          <a:prstGeom prst="rect">
+            <a:avLst/>
+          </a:prstGeom>
+          <a:solidFill>
+            <a:schemeClr val="accent1">
+              <a:alpha val="90000"/>
+            </a:schemeClr>
+          </a:solidFill>
+          <a:ln>
+            <a:solidFill>
+              <a:schemeClr val="tx1"/>
+            </a:solidFill>
+          </a:ln>
+        </p:spPr>
+        <p:style>
+          <a:lnRef idx="2">
+            <a:schemeClr val="accent1">
+              <a:shade val="15000"/>
+            </a:schemeClr>
+          </a:lnRef>
+          <a:fillRef idx="1">
+            <a:schemeClr val="accent1"/>
+          </a:fillRef>
+          <a:effectRef idx="0">
+            <a:schemeClr val="accent1"/>
+          </a:effectRef>
+          <a:fontRef idx="minor">
+            <a:schemeClr val="lt1"/>
+          </a:fontRef>
+        </p:style>
+        <p:txBody>
+          <a:bodyPr rtlCol="0" anchor="ctr"/>
+          <a:lstStyle/>
+          <a:p>
+            <a:pPr algn="ctr"/>
+            <a:endParaRPr lang="fr-FR" sz="800" dirty="0"/>
+          </a:p>
+          <a:p>
+            <a:pPr algn="ctr"/>
+            <a:endParaRPr lang="fr-FR" sz="800" dirty="0"/>
+          </a:p>
+          <a:p>
+            <a:pPr algn="ctr"/>
+            <a:endParaRPr lang="fr-FR" sz="800" dirty="0"/>
+          </a:p>
+          <a:p>
+            <a:endParaRPr lang="fr-FR" sz="800" dirty="0"/>
+          </a:p>
+          <a:p>
+            <a:r>
+              <a:rPr lang="fr-FR" sz="800" dirty="0"/>
+              <a:t>Conn FDC1</a:t>
+            </a:r>
+          </a:p>
+          <a:p>
+            <a:r>
+              <a:rPr lang="fr-FR" sz="800" dirty="0"/>
+              <a:t>    </a:t>
+            </a:r>
+          </a:p>
+          <a:p>
+            <a:pPr algn="ctr"/>
+            <a:r>
+              <a:rPr lang="fr-FR" sz="800" dirty="0">
+                <a:ln w="3175">
+                  <a:solidFill>
+                    <a:schemeClr val="tx1"/>
+                  </a:solidFill>
+                </a:ln>
+                <a:solidFill>
+                  <a:srgbClr val="FF0000"/>
+                </a:solidFill>
+              </a:rPr>
+              <a:t>GPIO 2</a:t>
+            </a:r>
+          </a:p>
+          <a:p>
+            <a:endParaRPr lang="fr-FR" sz="800" dirty="0"/>
+          </a:p>
+          <a:p>
+            <a:r>
+              <a:rPr lang="fr-FR" sz="800" dirty="0"/>
+              <a:t>     </a:t>
+            </a:r>
+            <a:r>
+              <a:rPr lang="fr-FR" sz="800" dirty="0">
+                <a:solidFill>
+                  <a:schemeClr val="tx1"/>
+                </a:solidFill>
+              </a:rPr>
+              <a:t>GND</a:t>
+            </a:r>
+          </a:p>
+          <a:p>
+            <a:endParaRPr lang="fr-FR" sz="800" dirty="0"/>
+          </a:p>
+          <a:p>
+            <a:endParaRPr lang="fr-FR" sz="800" dirty="0"/>
+          </a:p>
+          <a:p>
+            <a:pPr algn="ctr"/>
+            <a:endParaRPr lang="fr-FR" sz="800" dirty="0"/>
+          </a:p>
+          <a:p>
+            <a:pPr algn="ctr"/>
+            <a:endParaRPr lang="fr-FR" sz="800" dirty="0"/>
+          </a:p>
+          <a:p>
+            <a:pPr algn="ctr"/>
+            <a:endParaRPr lang="fr-FR" sz="800" dirty="0"/>
+          </a:p>
+          <a:p>
+            <a:pPr algn="ctr"/>
+            <a:endParaRPr lang="fr-FR" sz="800" dirty="0"/>
+          </a:p>
+        </p:txBody>
+      </p:sp>
+      <p:sp>
+        <p:nvSpPr>
+          <p:cNvPr id="18" name="Rectangle 17">
+            <a:extLst>
+              <a:ext uri="{FF2B5EF4-FFF2-40B4-BE49-F238E27FC236}">
+                <a16:creationId xmlns:a16="http://schemas.microsoft.com/office/drawing/2014/main" id="{8ADBD049-7AFF-2565-EA49-0A99798EF5B9}"/>
+              </a:ext>
+            </a:extLst>
+          </p:cNvPr>
+          <p:cNvSpPr/>
+          <p:nvPr/>
+        </p:nvSpPr>
+        <p:spPr>
+          <a:xfrm>
+            <a:off x="7206136" y="4565744"/>
             <a:ext cx="1404103" cy="602381"/>
           </a:xfrm>
           <a:prstGeom prst="rect">
             <a:avLst/>
           </a:prstGeom>
+          <a:solidFill>
+            <a:schemeClr val="accent2">
+              <a:alpha val="90000"/>
+            </a:schemeClr>
+          </a:solidFill>
         </p:spPr>
         <p:style>
           <a:lnRef idx="2">
@@ -3657,28 +3978,75 @@
           <a:bodyPr rtlCol="0" anchor="ctr"/>
           <a:lstStyle/>
           <a:p>
+            <a:pPr algn="ctr">
+              <a:lnSpc>
+                <a:spcPct val="200000"/>
+              </a:lnSpc>
+            </a:pPr>
+            <a:r>
+              <a:rPr lang="fr-FR" sz="1000" dirty="0" err="1"/>
+              <a:t>Connector</a:t>
+            </a:r>
+            <a:r>
+              <a:rPr lang="fr-FR" sz="1000" dirty="0"/>
+              <a:t> Lidar(uart3)</a:t>
+            </a:r>
+            <a:endParaRPr lang="fr-FR" sz="900" dirty="0"/>
+          </a:p>
+          <a:p>
             <a:pPr algn="ctr"/>
             <a:r>
-              <a:rPr lang="fr-FR" dirty="0"/>
-              <a:t>Conn </a:t>
-            </a:r>
-            <a:r>
-              <a:rPr lang="fr-FR" dirty="0" err="1"/>
-              <a:t>Uart</a:t>
-            </a:r>
-            <a:r>
-              <a:rPr lang="fr-FR" dirty="0"/>
-              <a:t> 4</a:t>
-            </a:r>
-          </a:p>
-        </p:txBody>
-      </p:sp>
-      <p:sp>
-        <p:nvSpPr>
-          <p:cNvPr id="13" name="Rectangle 12">
-            <a:extLst>
-              <a:ext uri="{FF2B5EF4-FFF2-40B4-BE49-F238E27FC236}">
-                <a16:creationId xmlns:a16="http://schemas.microsoft.com/office/drawing/2014/main" id="{3EA1B379-3AD4-6D20-D913-D43CE312C939}"/>
+              <a:rPr lang="fr-FR" sz="900" b="1" dirty="0">
+                <a:solidFill>
+                  <a:schemeClr val="tx1"/>
+                </a:solidFill>
+              </a:rPr>
+              <a:t>GND</a:t>
+            </a:r>
+            <a:r>
+              <a:rPr lang="fr-FR" sz="900" dirty="0"/>
+              <a:t>    TX    RX     </a:t>
+            </a:r>
+            <a:r>
+              <a:rPr lang="fr-FR" sz="900" dirty="0">
+                <a:ln w="3175">
+                  <a:solidFill>
+                    <a:schemeClr val="tx1"/>
+                  </a:solidFill>
+                </a:ln>
+                <a:solidFill>
+                  <a:srgbClr val="FF0000"/>
+                </a:solidFill>
+              </a:rPr>
+              <a:t>3v3</a:t>
+            </a:r>
+            <a:endParaRPr lang="fr-FR" sz="1200" dirty="0">
+              <a:ln w="3175">
+                <a:solidFill>
+                  <a:schemeClr val="tx1"/>
+                </a:solidFill>
+              </a:ln>
+              <a:solidFill>
+                <a:srgbClr val="FF0000"/>
+              </a:solidFill>
+            </a:endParaRPr>
+          </a:p>
+          <a:p>
+            <a:pPr algn="ctr"/>
+            <a:endParaRPr lang="fr-FR" sz="1200" dirty="0"/>
+          </a:p>
+          <a:p>
+            <a:pPr algn="ctr"/>
+            <a:endParaRPr lang="fr-FR" sz="1200" dirty="0"/>
+          </a:p>
+        </p:txBody>
+      </p:sp>
+      <p:sp>
+        <p:nvSpPr>
+          <p:cNvPr id="19" name="Rectangle 18">
+            <a:extLst>
+              <a:ext uri="{FF2B5EF4-FFF2-40B4-BE49-F238E27FC236}">
+                <a16:creationId xmlns:a16="http://schemas.microsoft.com/office/drawing/2014/main" id="{11A066C9-05EA-B292-C040-31699D7B4289}"/>
               </a:ext>
             </a:extLst>
           </p:cNvPr>
@@ -3687,24 +4055,48 @@
         </p:nvSpPr>
         <p:spPr>
           <a:xfrm>
-            <a:off x="7202523" y="5949046"/>
-            <a:ext cx="1404103" cy="602381"/>
+            <a:off x="2338487" y="1117184"/>
+            <a:ext cx="986971" cy="863198"/>
           </a:xfrm>
           <a:prstGeom prst="rect">
             <a:avLst/>
           </a:prstGeom>
+          <a:gradFill>
+            <a:gsLst>
+              <a:gs pos="100000">
+                <a:schemeClr val="accent6">
+                  <a:satMod val="103000"/>
+                  <a:lumMod val="102000"/>
+                  <a:tint val="94000"/>
+                  <a:alpha val="66000"/>
+                </a:schemeClr>
+              </a:gs>
+              <a:gs pos="100000">
+                <a:schemeClr val="accent6">
+                  <a:satMod val="110000"/>
+                  <a:lumMod val="100000"/>
+                  <a:shade val="100000"/>
+                </a:schemeClr>
+              </a:gs>
+              <a:gs pos="100000">
+                <a:schemeClr val="accent6">
+                  <a:lumMod val="99000"/>
+                  <a:satMod val="120000"/>
+                  <a:shade val="78000"/>
+                </a:schemeClr>
+              </a:gs>
+            </a:gsLst>
+          </a:gradFill>
         </p:spPr>
         <p:style>
-          <a:lnRef idx="2">
-            <a:schemeClr val="accent2">
-              <a:shade val="15000"/>
-            </a:schemeClr>
+          <a:lnRef idx="1">
+            <a:schemeClr val="accent6"/>
           </a:lnRef>
-          <a:fillRef idx="1">
-            <a:schemeClr val="accent2"/>
+          <a:fillRef idx="3">
+            <a:schemeClr val="accent6"/>
           </a:fillRef>
-          <a:effectRef idx="0">
-            <a:schemeClr val="accent2"/>
+          <a:effectRef idx="2">
+            <a:schemeClr val="accent6"/>
           </a:effectRef>
           <a:fontRef idx="minor">
             <a:schemeClr val="lt1"/>
@@ -3717,17 +4109,17 @@
             <a:pPr algn="ctr"/>
             <a:r>
               <a:rPr lang="fr-FR" dirty="0"/>
-              <a:t>Conn IHM</a:t>
-            </a:r>
-          </a:p>
-        </p:txBody>
-      </p:sp>
-      <p:sp>
-        <p:nvSpPr>
-          <p:cNvPr id="14" name="Rectangle 13">
-            <a:extLst>
-              <a:ext uri="{FF2B5EF4-FFF2-40B4-BE49-F238E27FC236}">
-                <a16:creationId xmlns:a16="http://schemas.microsoft.com/office/drawing/2014/main" id="{E65882C3-896B-F329-4725-4FD20FA46373}"/>
+              <a:t>Batterie 1</a:t>
+            </a:r>
+          </a:p>
+        </p:txBody>
+      </p:sp>
+      <p:sp>
+        <p:nvSpPr>
+          <p:cNvPr id="20" name="Rectangle 19">
+            <a:extLst>
+              <a:ext uri="{FF2B5EF4-FFF2-40B4-BE49-F238E27FC236}">
+                <a16:creationId xmlns:a16="http://schemas.microsoft.com/office/drawing/2014/main" id="{93E4727D-535F-7B2A-00A3-EB2499553A8B}"/>
               </a:ext>
             </a:extLst>
           </p:cNvPr>
@@ -3736,24 +4128,48 @@
         </p:nvSpPr>
         <p:spPr>
           <a:xfrm>
-            <a:off x="3445251" y="4292481"/>
-            <a:ext cx="689050" cy="863198"/>
+            <a:off x="2324008" y="2070887"/>
+            <a:ext cx="1015931" cy="828030"/>
           </a:xfrm>
           <a:prstGeom prst="rect">
             <a:avLst/>
           </a:prstGeom>
+          <a:gradFill>
+            <a:gsLst>
+              <a:gs pos="100000">
+                <a:schemeClr val="accent6">
+                  <a:satMod val="103000"/>
+                  <a:lumMod val="102000"/>
+                  <a:tint val="94000"/>
+                  <a:alpha val="51000"/>
+                </a:schemeClr>
+              </a:gs>
+              <a:gs pos="100000">
+                <a:schemeClr val="accent6">
+                  <a:satMod val="110000"/>
+                  <a:lumMod val="100000"/>
+                  <a:shade val="100000"/>
+                </a:schemeClr>
+              </a:gs>
+              <a:gs pos="100000">
+                <a:schemeClr val="accent6">
+                  <a:lumMod val="99000"/>
+                  <a:satMod val="120000"/>
+                  <a:shade val="78000"/>
+                </a:schemeClr>
+              </a:gs>
+            </a:gsLst>
+          </a:gradFill>
         </p:spPr>
         <p:style>
-          <a:lnRef idx="2">
-            <a:schemeClr val="accent1">
-              <a:shade val="15000"/>
-            </a:schemeClr>
+          <a:lnRef idx="1">
+            <a:schemeClr val="accent6"/>
           </a:lnRef>
-          <a:fillRef idx="1">
-            <a:schemeClr val="accent1"/>
+          <a:fillRef idx="3">
+            <a:schemeClr val="accent6"/>
           </a:fillRef>
-          <a:effectRef idx="0">
-            <a:schemeClr val="accent1"/>
+          <a:effectRef idx="2">
+            <a:schemeClr val="accent6"/>
           </a:effectRef>
           <a:fontRef idx="minor">
             <a:schemeClr val="lt1"/>
@@ -3764,34 +4180,19 @@
           <a:lstStyle/>
           <a:p>
             <a:pPr algn="ctr"/>
-            <a:endParaRPr lang="fr-FR" sz="1600" dirty="0"/>
-          </a:p>
-          <a:p>
-            <a:pPr algn="ctr"/>
-            <a:r>
-              <a:rPr lang="fr-FR" sz="1600" dirty="0"/>
-              <a:t>Conn</a:t>
-            </a:r>
-          </a:p>
-          <a:p>
-            <a:pPr algn="ctr"/>
-            <a:r>
-              <a:rPr lang="fr-FR" sz="1600" dirty="0"/>
-              <a:t>FDC2</a:t>
-            </a:r>
-          </a:p>
-          <a:p>
-            <a:pPr algn="ctr"/>
-            <a:endParaRPr lang="fr-FR" sz="1600" dirty="0"/>
-          </a:p>
-        </p:txBody>
-      </p:sp>
-      <p:sp>
-        <p:nvSpPr>
-          <p:cNvPr id="15" name="Rectangle 14">
-            <a:extLst>
-              <a:ext uri="{FF2B5EF4-FFF2-40B4-BE49-F238E27FC236}">
-                <a16:creationId xmlns:a16="http://schemas.microsoft.com/office/drawing/2014/main" id="{D79C5972-71DA-59EF-56BE-1A22D2691609}"/>
+            <a:r>
+              <a:rPr lang="fr-FR" dirty="0"/>
+              <a:t>Batterie 2</a:t>
+            </a:r>
+          </a:p>
+        </p:txBody>
+      </p:sp>
+      <p:sp>
+        <p:nvSpPr>
+          <p:cNvPr id="21" name="Rectangle 20">
+            <a:extLst>
+              <a:ext uri="{FF2B5EF4-FFF2-40B4-BE49-F238E27FC236}">
+                <a16:creationId xmlns:a16="http://schemas.microsoft.com/office/drawing/2014/main" id="{78464D2D-5E24-35CC-0C02-7B225A152762}"/>
               </a:ext>
             </a:extLst>
           </p:cNvPr>
@@ -3800,226 +4201,8 @@
         </p:nvSpPr>
         <p:spPr>
           <a:xfrm>
-            <a:off x="4383178" y="4292481"/>
-            <a:ext cx="689050" cy="863198"/>
-          </a:xfrm>
-          <a:prstGeom prst="rect">
-            <a:avLst/>
-          </a:prstGeom>
-        </p:spPr>
-        <p:style>
-          <a:lnRef idx="2">
-            <a:schemeClr val="accent1">
-              <a:shade val="15000"/>
-            </a:schemeClr>
-          </a:lnRef>
-          <a:fillRef idx="1">
-            <a:schemeClr val="accent1"/>
-          </a:fillRef>
-          <a:effectRef idx="0">
-            <a:schemeClr val="accent1"/>
-          </a:effectRef>
-          <a:fontRef idx="minor">
-            <a:schemeClr val="lt1"/>
-          </a:fontRef>
-        </p:style>
-        <p:txBody>
-          <a:bodyPr rtlCol="0" anchor="ctr"/>
-          <a:lstStyle/>
-          <a:p>
-            <a:pPr algn="ctr"/>
-            <a:r>
-              <a:rPr lang="fr-FR" sz="1800" dirty="0"/>
-              <a:t>Conn</a:t>
-            </a:r>
-          </a:p>
-          <a:p>
-            <a:pPr algn="ctr"/>
-            <a:r>
-              <a:rPr lang="fr-FR" sz="1800" dirty="0"/>
-              <a:t>FDC3</a:t>
-            </a:r>
-          </a:p>
-        </p:txBody>
-      </p:sp>
-      <p:sp>
-        <p:nvSpPr>
-          <p:cNvPr id="16" name="Rectangle 15">
-            <a:extLst>
-              <a:ext uri="{FF2B5EF4-FFF2-40B4-BE49-F238E27FC236}">
-                <a16:creationId xmlns:a16="http://schemas.microsoft.com/office/drawing/2014/main" id="{3C07F846-338B-1CDF-8976-55848B09BD9B}"/>
-              </a:ext>
-            </a:extLst>
-          </p:cNvPr>
-          <p:cNvSpPr/>
-          <p:nvPr/>
-        </p:nvSpPr>
-        <p:spPr>
-          <a:xfrm>
-            <a:off x="5365025" y="4292481"/>
-            <a:ext cx="689050" cy="863198"/>
-          </a:xfrm>
-          <a:prstGeom prst="rect">
-            <a:avLst/>
-          </a:prstGeom>
-        </p:spPr>
-        <p:style>
-          <a:lnRef idx="2">
-            <a:schemeClr val="accent1">
-              <a:shade val="15000"/>
-            </a:schemeClr>
-          </a:lnRef>
-          <a:fillRef idx="1">
-            <a:schemeClr val="accent1"/>
-          </a:fillRef>
-          <a:effectRef idx="0">
-            <a:schemeClr val="accent1"/>
-          </a:effectRef>
-          <a:fontRef idx="minor">
-            <a:schemeClr val="lt1"/>
-          </a:fontRef>
-        </p:style>
-        <p:txBody>
-          <a:bodyPr rtlCol="0" anchor="ctr"/>
-          <a:lstStyle/>
-          <a:p>
-            <a:pPr algn="ctr"/>
-            <a:r>
-              <a:rPr lang="fr-FR" sz="1600" dirty="0"/>
-              <a:t>Conn</a:t>
-            </a:r>
-          </a:p>
-          <a:p>
-            <a:pPr algn="ctr"/>
-            <a:r>
-              <a:rPr lang="fr-FR" sz="1600" dirty="0"/>
-              <a:t>FDC1</a:t>
-            </a:r>
-          </a:p>
-        </p:txBody>
-      </p:sp>
-      <p:sp>
-        <p:nvSpPr>
-          <p:cNvPr id="17" name="Rectangle 16">
-            <a:extLst>
-              <a:ext uri="{FF2B5EF4-FFF2-40B4-BE49-F238E27FC236}">
-                <a16:creationId xmlns:a16="http://schemas.microsoft.com/office/drawing/2014/main" id="{2D7C05D4-4DB1-C729-E29B-518C15689D68}"/>
-              </a:ext>
-            </a:extLst>
-          </p:cNvPr>
-          <p:cNvSpPr/>
-          <p:nvPr/>
-        </p:nvSpPr>
-        <p:spPr>
-          <a:xfrm>
-            <a:off x="6346872" y="4267846"/>
-            <a:ext cx="689050" cy="863198"/>
-          </a:xfrm>
-          <a:prstGeom prst="rect">
-            <a:avLst/>
-          </a:prstGeom>
-        </p:spPr>
-        <p:style>
-          <a:lnRef idx="2">
-            <a:schemeClr val="accent1">
-              <a:shade val="15000"/>
-            </a:schemeClr>
-          </a:lnRef>
-          <a:fillRef idx="1">
-            <a:schemeClr val="accent1"/>
-          </a:fillRef>
-          <a:effectRef idx="0">
-            <a:schemeClr val="accent1"/>
-          </a:effectRef>
-          <a:fontRef idx="minor">
-            <a:schemeClr val="lt1"/>
-          </a:fontRef>
-        </p:style>
-        <p:txBody>
-          <a:bodyPr rtlCol="0" anchor="ctr"/>
-          <a:lstStyle/>
-          <a:p>
-            <a:pPr algn="ctr"/>
-            <a:r>
-              <a:rPr lang="fr-FR" sz="1800" dirty="0"/>
-              <a:t>Conn</a:t>
-            </a:r>
-          </a:p>
-          <a:p>
-            <a:pPr algn="ctr"/>
-            <a:r>
-              <a:rPr lang="fr-FR" sz="1800"/>
-              <a:t>FDC4</a:t>
-            </a:r>
-            <a:endParaRPr lang="fr-FR" sz="1800" dirty="0"/>
-          </a:p>
-        </p:txBody>
-      </p:sp>
-      <p:sp>
-        <p:nvSpPr>
-          <p:cNvPr id="18" name="Rectangle 17">
-            <a:extLst>
-              <a:ext uri="{FF2B5EF4-FFF2-40B4-BE49-F238E27FC236}">
-                <a16:creationId xmlns:a16="http://schemas.microsoft.com/office/drawing/2014/main" id="{8ADBD049-7AFF-2565-EA49-0A99798EF5B9}"/>
-              </a:ext>
-            </a:extLst>
-          </p:cNvPr>
-          <p:cNvSpPr/>
-          <p:nvPr/>
-        </p:nvSpPr>
-        <p:spPr>
-          <a:xfrm>
-            <a:off x="7199379" y="4528663"/>
-            <a:ext cx="1404103" cy="602381"/>
-          </a:xfrm>
-          <a:prstGeom prst="rect">
-            <a:avLst/>
-          </a:prstGeom>
-        </p:spPr>
-        <p:style>
-          <a:lnRef idx="2">
-            <a:schemeClr val="accent2">
-              <a:shade val="15000"/>
-            </a:schemeClr>
-          </a:lnRef>
-          <a:fillRef idx="1">
-            <a:schemeClr val="accent2"/>
-          </a:fillRef>
-          <a:effectRef idx="0">
-            <a:schemeClr val="accent2"/>
-          </a:effectRef>
-          <a:fontRef idx="minor">
-            <a:schemeClr val="lt1"/>
-          </a:fontRef>
-        </p:style>
-        <p:txBody>
-          <a:bodyPr rtlCol="0" anchor="ctr"/>
-          <a:lstStyle/>
-          <a:p>
-            <a:pPr algn="ctr"/>
-            <a:r>
-              <a:rPr lang="fr-FR" dirty="0"/>
-              <a:t>Conn Lidar</a:t>
-            </a:r>
-          </a:p>
-        </p:txBody>
-      </p:sp>
-      <p:sp>
-        <p:nvSpPr>
-          <p:cNvPr id="19" name="Rectangle 18">
-            <a:extLst>
-              <a:ext uri="{FF2B5EF4-FFF2-40B4-BE49-F238E27FC236}">
-                <a16:creationId xmlns:a16="http://schemas.microsoft.com/office/drawing/2014/main" id="{11A066C9-05EA-B292-C040-31699D7B4289}"/>
-              </a:ext>
-            </a:extLst>
-          </p:cNvPr>
-          <p:cNvSpPr/>
-          <p:nvPr/>
-        </p:nvSpPr>
-        <p:spPr>
-          <a:xfrm>
-            <a:off x="2402024" y="1130423"/>
-            <a:ext cx="1015931" cy="828030"/>
+            <a:off x="2338487" y="2976056"/>
+            <a:ext cx="1015931" cy="893926"/>
           </a:xfrm>
           <a:prstGeom prst="rect">
             <a:avLst/>
@@ -4046,17 +4229,17 @@
             <a:pPr algn="ctr"/>
             <a:r>
               <a:rPr lang="fr-FR" dirty="0"/>
-              <a:t>Batterie 1</a:t>
-            </a:r>
-          </a:p>
-        </p:txBody>
-      </p:sp>
-      <p:sp>
-        <p:nvSpPr>
-          <p:cNvPr id="20" name="Rectangle 19">
-            <a:extLst>
-              <a:ext uri="{FF2B5EF4-FFF2-40B4-BE49-F238E27FC236}">
-                <a16:creationId xmlns:a16="http://schemas.microsoft.com/office/drawing/2014/main" id="{93E4727D-535F-7B2A-00A3-EB2499553A8B}"/>
+              <a:t>Arrêt Urgence </a:t>
+            </a:r>
+          </a:p>
+        </p:txBody>
+      </p:sp>
+      <p:sp>
+        <p:nvSpPr>
+          <p:cNvPr id="22" name="Rectangle 21">
+            <a:extLst>
+              <a:ext uri="{FF2B5EF4-FFF2-40B4-BE49-F238E27FC236}">
+                <a16:creationId xmlns:a16="http://schemas.microsoft.com/office/drawing/2014/main" id="{D5ED01FD-2A5A-66A2-928D-DC1361D8CB33}"/>
               </a:ext>
             </a:extLst>
           </p:cNvPr>
@@ -4065,8 +4248,8 @@
         </p:nvSpPr>
         <p:spPr>
           <a:xfrm>
-            <a:off x="2402024" y="2070824"/>
-            <a:ext cx="1015931" cy="828030"/>
+            <a:off x="2321442" y="3910484"/>
+            <a:ext cx="1015931" cy="893926"/>
           </a:xfrm>
           <a:prstGeom prst="rect">
             <a:avLst/>
@@ -4093,17 +4276,17 @@
             <a:pPr algn="ctr"/>
             <a:r>
               <a:rPr lang="fr-FR" dirty="0"/>
-              <a:t>Batterie 2</a:t>
-            </a:r>
-          </a:p>
-        </p:txBody>
-      </p:sp>
-      <p:sp>
-        <p:nvSpPr>
-          <p:cNvPr id="21" name="Rectangle 20">
-            <a:extLst>
-              <a:ext uri="{FF2B5EF4-FFF2-40B4-BE49-F238E27FC236}">
-                <a16:creationId xmlns:a16="http://schemas.microsoft.com/office/drawing/2014/main" id="{78464D2D-5E24-35CC-0C02-7B225A152762}"/>
+              <a:t>Switch </a:t>
+            </a:r>
+          </a:p>
+        </p:txBody>
+      </p:sp>
+      <p:sp>
+        <p:nvSpPr>
+          <p:cNvPr id="23" name="Rectangle 22">
+            <a:extLst>
+              <a:ext uri="{FF2B5EF4-FFF2-40B4-BE49-F238E27FC236}">
+                <a16:creationId xmlns:a16="http://schemas.microsoft.com/office/drawing/2014/main" id="{9C3E6596-F12F-0BA5-3244-6F0F3D274463}"/>
               </a:ext>
             </a:extLst>
           </p:cNvPr>
@@ -4112,102 +4295,8 @@
         </p:nvSpPr>
         <p:spPr>
           <a:xfrm>
-            <a:off x="2402023" y="2976057"/>
-            <a:ext cx="1015931" cy="828030"/>
-          </a:xfrm>
-          <a:prstGeom prst="rect">
-            <a:avLst/>
-          </a:prstGeom>
-        </p:spPr>
-        <p:style>
-          <a:lnRef idx="1">
-            <a:schemeClr val="accent6"/>
-          </a:lnRef>
-          <a:fillRef idx="3">
-            <a:schemeClr val="accent6"/>
-          </a:fillRef>
-          <a:effectRef idx="2">
-            <a:schemeClr val="accent6"/>
-          </a:effectRef>
-          <a:fontRef idx="minor">
-            <a:schemeClr val="lt1"/>
-          </a:fontRef>
-        </p:style>
-        <p:txBody>
-          <a:bodyPr rtlCol="0" anchor="ctr"/>
-          <a:lstStyle/>
-          <a:p>
-            <a:pPr algn="ctr"/>
-            <a:r>
-              <a:rPr lang="fr-FR" dirty="0"/>
-              <a:t>Arrêt Urgence </a:t>
-            </a:r>
-          </a:p>
-        </p:txBody>
-      </p:sp>
-      <p:sp>
-        <p:nvSpPr>
-          <p:cNvPr id="22" name="Rectangle 21">
-            <a:extLst>
-              <a:ext uri="{FF2B5EF4-FFF2-40B4-BE49-F238E27FC236}">
-                <a16:creationId xmlns:a16="http://schemas.microsoft.com/office/drawing/2014/main" id="{D5ED01FD-2A5A-66A2-928D-DC1361D8CB33}"/>
-              </a:ext>
-            </a:extLst>
-          </p:cNvPr>
-          <p:cNvSpPr/>
-          <p:nvPr/>
-        </p:nvSpPr>
-        <p:spPr>
-          <a:xfrm>
-            <a:off x="2390317" y="3899350"/>
-            <a:ext cx="1015931" cy="828030"/>
-          </a:xfrm>
-          <a:prstGeom prst="rect">
-            <a:avLst/>
-          </a:prstGeom>
-        </p:spPr>
-        <p:style>
-          <a:lnRef idx="1">
-            <a:schemeClr val="accent6"/>
-          </a:lnRef>
-          <a:fillRef idx="3">
-            <a:schemeClr val="accent6"/>
-          </a:fillRef>
-          <a:effectRef idx="2">
-            <a:schemeClr val="accent6"/>
-          </a:effectRef>
-          <a:fontRef idx="minor">
-            <a:schemeClr val="lt1"/>
-          </a:fontRef>
-        </p:style>
-        <p:txBody>
-          <a:bodyPr rtlCol="0" anchor="ctr"/>
-          <a:lstStyle/>
-          <a:p>
-            <a:pPr algn="ctr"/>
-            <a:r>
-              <a:rPr lang="fr-FR" dirty="0"/>
-              <a:t>Switch </a:t>
-            </a:r>
-          </a:p>
-        </p:txBody>
-      </p:sp>
-      <p:sp>
-        <p:nvSpPr>
-          <p:cNvPr id="23" name="Rectangle 22">
-            <a:extLst>
-              <a:ext uri="{FF2B5EF4-FFF2-40B4-BE49-F238E27FC236}">
-                <a16:creationId xmlns:a16="http://schemas.microsoft.com/office/drawing/2014/main" id="{9C3E6596-F12F-0BA5-3244-6F0F3D274463}"/>
-              </a:ext>
-            </a:extLst>
-          </p:cNvPr>
-          <p:cNvSpPr/>
-          <p:nvPr/>
-        </p:nvSpPr>
-        <p:spPr>
-          <a:xfrm>
-            <a:off x="3241017" y="477078"/>
-            <a:ext cx="5553126" cy="573978"/>
+            <a:off x="3165624" y="452701"/>
+            <a:ext cx="5658336" cy="573978"/>
           </a:xfrm>
           <a:prstGeom prst="rect">
             <a:avLst/>
@@ -4234,25 +4323,17 @@
             <a:pPr algn="ctr"/>
             <a:r>
               <a:rPr lang="fr-FR" dirty="0"/>
-              <a:t>Connecteur </a:t>
-            </a:r>
-            <a:r>
-              <a:rPr lang="fr-FR" dirty="0" err="1"/>
-              <a:t>Rasberry</a:t>
-            </a:r>
-            <a:r>
-              <a:rPr lang="fr-FR" dirty="0"/>
-              <a:t> Pi </a:t>
-            </a:r>
-          </a:p>
-        </p:txBody>
-      </p:sp>
-      <p:sp>
-        <p:nvSpPr>
-          <p:cNvPr id="24" name="Rectangle 23">
-            <a:extLst>
-              <a:ext uri="{FF2B5EF4-FFF2-40B4-BE49-F238E27FC236}">
-                <a16:creationId xmlns:a16="http://schemas.microsoft.com/office/drawing/2014/main" id="{91954FD3-8BBF-0720-A755-0AE2798D71EE}"/>
+              <a:t>Connecteur Raspberry Pi </a:t>
+            </a:r>
+          </a:p>
+        </p:txBody>
+      </p:sp>
+      <p:sp>
+        <p:nvSpPr>
+          <p:cNvPr id="2" name="Rectangle 1">
+            <a:extLst>
+              <a:ext uri="{FF2B5EF4-FFF2-40B4-BE49-F238E27FC236}">
+                <a16:creationId xmlns:a16="http://schemas.microsoft.com/office/drawing/2014/main" id="{18CC52CB-A2A5-1543-4008-7FA4D9369E37}"/>
               </a:ext>
             </a:extLst>
           </p:cNvPr>
@@ -4261,14 +4342,16 @@
         </p:nvSpPr>
         <p:spPr>
           <a:xfrm>
-            <a:off x="8805039" y="2309997"/>
-            <a:ext cx="779227" cy="2298322"/>
+            <a:off x="8994410" y="1148369"/>
+            <a:ext cx="684000" cy="1101594"/>
           </a:xfrm>
           <a:prstGeom prst="rect">
             <a:avLst/>
           </a:prstGeom>
           <a:solidFill>
-            <a:srgbClr val="7030A0"/>
+            <a:srgbClr val="FFFF00">
+              <a:alpha val="90000"/>
+            </a:srgbClr>
           </a:solidFill>
         </p:spPr>
         <p:style>
@@ -4288,69 +4371,75 @@
           </a:fontRef>
         </p:style>
         <p:txBody>
-          <a:bodyPr rtlCol="0" anchor="ctr"/>
-          <a:lstStyle/>
-          <a:p>
-            <a:pPr algn="ctr"/>
-            <a:r>
-              <a:rPr lang="fr-FR" dirty="0"/>
-              <a:t>GPIO </a:t>
-            </a:r>
-          </a:p>
-        </p:txBody>
-      </p:sp>
-      <p:sp>
-        <p:nvSpPr>
-          <p:cNvPr id="2" name="Rectangle 1">
-            <a:extLst>
-              <a:ext uri="{FF2B5EF4-FFF2-40B4-BE49-F238E27FC236}">
-                <a16:creationId xmlns:a16="http://schemas.microsoft.com/office/drawing/2014/main" id="{18CC52CB-A2A5-1543-4008-7FA4D9369E37}"/>
-              </a:ext>
-            </a:extLst>
-          </p:cNvPr>
-          <p:cNvSpPr/>
-          <p:nvPr/>
-        </p:nvSpPr>
-        <p:spPr>
-          <a:xfrm>
-            <a:off x="8989000" y="1135271"/>
-            <a:ext cx="692246" cy="1101594"/>
-          </a:xfrm>
-          <a:prstGeom prst="rect">
-            <a:avLst/>
-          </a:prstGeom>
-          <a:solidFill>
-            <a:srgbClr val="FFFF00"/>
-          </a:solidFill>
-        </p:spPr>
-        <p:style>
-          <a:lnRef idx="2">
-            <a:schemeClr val="accent1">
-              <a:shade val="15000"/>
-            </a:schemeClr>
-          </a:lnRef>
-          <a:fillRef idx="1">
-            <a:schemeClr val="accent1"/>
-          </a:fillRef>
-          <a:effectRef idx="0">
-            <a:schemeClr val="accent1"/>
-          </a:effectRef>
-          <a:fontRef idx="minor">
-            <a:schemeClr val="lt1"/>
-          </a:fontRef>
-        </p:style>
-        <p:txBody>
-          <a:bodyPr rtlCol="0" anchor="ctr"/>
-          <a:lstStyle/>
-          <a:p>
-            <a:pPr algn="ctr"/>
-            <a:r>
-              <a:rPr lang="fr-FR" sz="1600" b="1" dirty="0">
+          <a:bodyPr lIns="36000" tIns="0" rIns="0" rtlCol="0" anchor="t"/>
+          <a:lstStyle/>
+          <a:p>
+            <a:r>
+              <a:rPr lang="fr-FR" sz="1100" b="1" dirty="0">
                 <a:solidFill>
                   <a:schemeClr val="tx1"/>
                 </a:solidFill>
               </a:rPr>
-              <a:t>Conn XL320 </a:t>
+              <a:t>ConnXL320</a:t>
+            </a:r>
+            <a:r>
+              <a:rPr lang="fr-FR" sz="1200" b="1" dirty="0">
+                <a:solidFill>
+                  <a:schemeClr val="tx1"/>
+                </a:solidFill>
+              </a:rPr>
+              <a:t> </a:t>
+            </a:r>
+          </a:p>
+          <a:p>
+            <a:r>
+              <a:rPr lang="fr-FR" sz="1200" b="1" dirty="0">
+                <a:solidFill>
+                  <a:schemeClr val="tx1"/>
+                </a:solidFill>
+              </a:rPr>
+              <a:t>   </a:t>
+            </a:r>
+            <a:r>
+              <a:rPr lang="fr-FR" sz="1200" b="1" dirty="0">
+                <a:solidFill>
+                  <a:srgbClr val="0070C0"/>
+                </a:solidFill>
+              </a:rPr>
+              <a:t>Data</a:t>
+            </a:r>
+          </a:p>
+          <a:p>
+            <a:pPr>
+              <a:lnSpc>
+                <a:spcPct val="200000"/>
+              </a:lnSpc>
+            </a:pPr>
+            <a:r>
+              <a:rPr lang="fr-FR" sz="1200" b="1" dirty="0">
+                <a:solidFill>
+                  <a:schemeClr val="tx1"/>
+                </a:solidFill>
+              </a:rPr>
+              <a:t>   </a:t>
+            </a:r>
+            <a:r>
+              <a:rPr lang="fr-FR" sz="1200" b="1" dirty="0">
+                <a:solidFill>
+                  <a:srgbClr val="FF0000"/>
+                </a:solidFill>
+              </a:rPr>
+              <a:t>7v4</a:t>
+            </a:r>
+          </a:p>
+          <a:p>
+            <a:r>
+              <a:rPr lang="fr-FR" sz="1200" b="1" dirty="0">
+                <a:solidFill>
+                  <a:schemeClr val="tx1"/>
+                </a:solidFill>
+              </a:rPr>
+              <a:t>   GND</a:t>
             </a:r>
           </a:p>
         </p:txBody>
@@ -4369,7 +4458,7 @@
         </p:nvSpPr>
         <p:spPr>
           <a:xfrm>
-            <a:off x="3789776" y="2236865"/>
+            <a:off x="3797499" y="2263362"/>
             <a:ext cx="1868074" cy="1192135"/>
           </a:xfrm>
           <a:prstGeom prst="rect">
@@ -4421,7 +4510,7 @@
         </p:nvSpPr>
         <p:spPr>
           <a:xfrm>
-            <a:off x="5951003" y="2204372"/>
+            <a:off x="5994792" y="2263362"/>
             <a:ext cx="1868074" cy="1192135"/>
           </a:xfrm>
           <a:prstGeom prst="rect">
@@ -4456,59 +4545,6 @@
               <a:rPr lang="fr-FR" dirty="0"/>
               <a:t>Convertisseur 7.4V</a:t>
             </a:r>
-          </a:p>
-        </p:txBody>
-      </p:sp>
-      <p:sp>
-        <p:nvSpPr>
-          <p:cNvPr id="25" name="ZoneTexte 24">
-            <a:extLst>
-              <a:ext uri="{FF2B5EF4-FFF2-40B4-BE49-F238E27FC236}">
-                <a16:creationId xmlns:a16="http://schemas.microsoft.com/office/drawing/2014/main" id="{CE8CA36B-0A4B-3BE8-0C11-8AC7ED78EC2E}"/>
-              </a:ext>
-            </a:extLst>
-          </p:cNvPr>
-          <p:cNvSpPr txBox="1"/>
-          <p:nvPr/>
-        </p:nvSpPr>
-        <p:spPr>
-          <a:xfrm>
-            <a:off x="8723657" y="2309997"/>
-            <a:ext cx="1088453" cy="246221"/>
-          </a:xfrm>
-          <a:prstGeom prst="rect">
-            <a:avLst/>
-          </a:prstGeom>
-          <a:noFill/>
-        </p:spPr>
-        <p:txBody>
-          <a:bodyPr wrap="square" rtlCol="0">
-            <a:spAutoFit/>
-          </a:bodyPr>
-          <a:lstStyle/>
-          <a:p>
-            <a:pPr algn="just"/>
-            <a:r>
-              <a:rPr lang="fr-FR" sz="1000" dirty="0">
-                <a:solidFill>
-                  <a:schemeClr val="bg1"/>
-                </a:solidFill>
-              </a:rPr>
-              <a:t>3V3–</a:t>
-            </a:r>
-            <a:r>
-              <a:rPr lang="fr-FR" sz="1000" dirty="0" err="1">
-                <a:solidFill>
-                  <a:schemeClr val="bg1"/>
-                </a:solidFill>
-              </a:rPr>
-              <a:t>Gpio-Gnd</a:t>
-            </a:r>
-            <a:endParaRPr lang="fr-FR" sz="1000" dirty="0">
-              <a:solidFill>
-                <a:schemeClr val="bg1"/>
-              </a:solidFill>
-            </a:endParaRPr>
           </a:p>
         </p:txBody>
       </p:sp>
@@ -4573,6 +4609,1624 @@
                 <a:schemeClr val="bg1"/>
               </a:solidFill>
             </a:endParaRPr>
+          </a:p>
+        </p:txBody>
+      </p:sp>
+      <p:sp>
+        <p:nvSpPr>
+          <p:cNvPr id="11" name="Signe Plus 10">
+            <a:extLst>
+              <a:ext uri="{FF2B5EF4-FFF2-40B4-BE49-F238E27FC236}">
+                <a16:creationId xmlns:a16="http://schemas.microsoft.com/office/drawing/2014/main" id="{BFEDFD17-6BA3-B38C-9C83-447657D8971F}"/>
+              </a:ext>
+            </a:extLst>
+          </p:cNvPr>
+          <p:cNvSpPr/>
+          <p:nvPr/>
+        </p:nvSpPr>
+        <p:spPr>
+          <a:xfrm>
+            <a:off x="3165624" y="1674789"/>
+            <a:ext cx="126228" cy="134740"/>
+          </a:xfrm>
+          <a:prstGeom prst="mathPlus">
+            <a:avLst/>
+          </a:prstGeom>
+          <a:solidFill>
+            <a:srgbClr val="FF0000"/>
+          </a:solidFill>
+          <a:ln w="9525">
+            <a:solidFill>
+              <a:schemeClr val="tx1"/>
+            </a:solidFill>
+          </a:ln>
+        </p:spPr>
+        <p:style>
+          <a:lnRef idx="2">
+            <a:schemeClr val="accent1">
+              <a:shade val="15000"/>
+            </a:schemeClr>
+          </a:lnRef>
+          <a:fillRef idx="1">
+            <a:schemeClr val="accent1"/>
+          </a:fillRef>
+          <a:effectRef idx="0">
+            <a:schemeClr val="accent1"/>
+          </a:effectRef>
+          <a:fontRef idx="minor">
+            <a:schemeClr val="lt1"/>
+          </a:fontRef>
+        </p:style>
+        <p:txBody>
+          <a:bodyPr rtlCol="0" anchor="ctr"/>
+          <a:lstStyle/>
+          <a:p>
+            <a:pPr algn="ctr"/>
+            <a:endParaRPr lang="fr-FR" b="1">
+              <a:ln w="22225">
+                <a:solidFill>
+                  <a:srgbClr val="FF0000"/>
+                </a:solidFill>
+                <a:prstDash val="solid"/>
+              </a:ln>
+              <a:solidFill>
+                <a:srgbClr val="FF0000"/>
+              </a:solidFill>
+            </a:endParaRPr>
+          </a:p>
+        </p:txBody>
+      </p:sp>
+      <p:sp>
+        <p:nvSpPr>
+          <p:cNvPr id="27" name="Signe Moins 26">
+            <a:extLst>
+              <a:ext uri="{FF2B5EF4-FFF2-40B4-BE49-F238E27FC236}">
+                <a16:creationId xmlns:a16="http://schemas.microsoft.com/office/drawing/2014/main" id="{25AD8FAF-484A-47C0-EC2D-C9A7804A67FA}"/>
+              </a:ext>
+            </a:extLst>
+          </p:cNvPr>
+          <p:cNvSpPr/>
+          <p:nvPr/>
+        </p:nvSpPr>
+        <p:spPr>
+          <a:xfrm>
+            <a:off x="3157128" y="1335792"/>
+            <a:ext cx="126228" cy="45719"/>
+          </a:xfrm>
+          <a:prstGeom prst="mathMinus">
+            <a:avLst/>
+          </a:prstGeom>
+        </p:spPr>
+        <p:style>
+          <a:lnRef idx="2">
+            <a:schemeClr val="accent1">
+              <a:shade val="15000"/>
+            </a:schemeClr>
+          </a:lnRef>
+          <a:fillRef idx="1">
+            <a:schemeClr val="accent1"/>
+          </a:fillRef>
+          <a:effectRef idx="0">
+            <a:schemeClr val="accent1"/>
+          </a:effectRef>
+          <a:fontRef idx="minor">
+            <a:schemeClr val="lt1"/>
+          </a:fontRef>
+        </p:style>
+        <p:txBody>
+          <a:bodyPr rtlCol="0" anchor="ctr"/>
+          <a:lstStyle/>
+          <a:p>
+            <a:pPr algn="ctr"/>
+            <a:endParaRPr lang="fr-FR"/>
+          </a:p>
+        </p:txBody>
+      </p:sp>
+      <p:sp>
+        <p:nvSpPr>
+          <p:cNvPr id="28" name="Signe Plus 27">
+            <a:extLst>
+              <a:ext uri="{FF2B5EF4-FFF2-40B4-BE49-F238E27FC236}">
+                <a16:creationId xmlns:a16="http://schemas.microsoft.com/office/drawing/2014/main" id="{AB6EE9DC-470E-D198-1A79-FAA424F7FF12}"/>
+              </a:ext>
+            </a:extLst>
+          </p:cNvPr>
+          <p:cNvSpPr/>
+          <p:nvPr/>
+        </p:nvSpPr>
+        <p:spPr>
+          <a:xfrm>
+            <a:off x="3150150" y="2609047"/>
+            <a:ext cx="126228" cy="134740"/>
+          </a:xfrm>
+          <a:prstGeom prst="mathPlus">
+            <a:avLst/>
+          </a:prstGeom>
+          <a:solidFill>
+            <a:srgbClr val="FF0000"/>
+          </a:solidFill>
+          <a:ln w="9525">
+            <a:solidFill>
+              <a:schemeClr val="tx1"/>
+            </a:solidFill>
+          </a:ln>
+        </p:spPr>
+        <p:style>
+          <a:lnRef idx="2">
+            <a:schemeClr val="accent1">
+              <a:shade val="15000"/>
+            </a:schemeClr>
+          </a:lnRef>
+          <a:fillRef idx="1">
+            <a:schemeClr val="accent1"/>
+          </a:fillRef>
+          <a:effectRef idx="0">
+            <a:schemeClr val="accent1"/>
+          </a:effectRef>
+          <a:fontRef idx="minor">
+            <a:schemeClr val="lt1"/>
+          </a:fontRef>
+        </p:style>
+        <p:txBody>
+          <a:bodyPr rtlCol="0" anchor="ctr"/>
+          <a:lstStyle/>
+          <a:p>
+            <a:pPr algn="ctr"/>
+            <a:endParaRPr lang="fr-FR" b="1">
+              <a:ln w="22225">
+                <a:solidFill>
+                  <a:srgbClr val="FF0000"/>
+                </a:solidFill>
+                <a:prstDash val="solid"/>
+              </a:ln>
+              <a:solidFill>
+                <a:srgbClr val="FF0000"/>
+              </a:solidFill>
+            </a:endParaRPr>
+          </a:p>
+        </p:txBody>
+      </p:sp>
+      <p:sp>
+        <p:nvSpPr>
+          <p:cNvPr id="29" name="Signe Moins 28">
+            <a:extLst>
+              <a:ext uri="{FF2B5EF4-FFF2-40B4-BE49-F238E27FC236}">
+                <a16:creationId xmlns:a16="http://schemas.microsoft.com/office/drawing/2014/main" id="{1FE98576-1990-C207-C139-CA6512DBF3A7}"/>
+              </a:ext>
+            </a:extLst>
+          </p:cNvPr>
+          <p:cNvSpPr/>
+          <p:nvPr/>
+        </p:nvSpPr>
+        <p:spPr>
+          <a:xfrm>
+            <a:off x="3180210" y="2263362"/>
+            <a:ext cx="126228" cy="45719"/>
+          </a:xfrm>
+          <a:prstGeom prst="mathMinus">
+            <a:avLst/>
+          </a:prstGeom>
+        </p:spPr>
+        <p:style>
+          <a:lnRef idx="2">
+            <a:schemeClr val="accent1">
+              <a:shade val="15000"/>
+            </a:schemeClr>
+          </a:lnRef>
+          <a:fillRef idx="1">
+            <a:schemeClr val="accent1"/>
+          </a:fillRef>
+          <a:effectRef idx="0">
+            <a:schemeClr val="accent1"/>
+          </a:effectRef>
+          <a:fontRef idx="minor">
+            <a:schemeClr val="lt1"/>
+          </a:fontRef>
+        </p:style>
+        <p:txBody>
+          <a:bodyPr rtlCol="0" anchor="ctr"/>
+          <a:lstStyle/>
+          <a:p>
+            <a:pPr algn="ctr"/>
+            <a:endParaRPr lang="fr-FR"/>
+          </a:p>
+        </p:txBody>
+      </p:sp>
+      <p:sp>
+        <p:nvSpPr>
+          <p:cNvPr id="30" name="Signe Moins 29">
+            <a:extLst>
+              <a:ext uri="{FF2B5EF4-FFF2-40B4-BE49-F238E27FC236}">
+                <a16:creationId xmlns:a16="http://schemas.microsoft.com/office/drawing/2014/main" id="{EF95C100-F84E-5C74-1F12-1DE657911D0A}"/>
+              </a:ext>
+            </a:extLst>
+          </p:cNvPr>
+          <p:cNvSpPr/>
+          <p:nvPr/>
+        </p:nvSpPr>
+        <p:spPr>
+          <a:xfrm>
+            <a:off x="3546377" y="5513376"/>
+            <a:ext cx="121920" cy="45719"/>
+          </a:xfrm>
+          <a:prstGeom prst="mathMinus">
+            <a:avLst/>
+          </a:prstGeom>
+        </p:spPr>
+        <p:style>
+          <a:lnRef idx="2">
+            <a:schemeClr val="accent1">
+              <a:shade val="15000"/>
+            </a:schemeClr>
+          </a:lnRef>
+          <a:fillRef idx="1">
+            <a:schemeClr val="accent1"/>
+          </a:fillRef>
+          <a:effectRef idx="0">
+            <a:schemeClr val="accent1"/>
+          </a:effectRef>
+          <a:fontRef idx="minor">
+            <a:schemeClr val="lt1"/>
+          </a:fontRef>
+        </p:style>
+        <p:txBody>
+          <a:bodyPr rtlCol="0" anchor="ctr"/>
+          <a:lstStyle/>
+          <a:p>
+            <a:pPr algn="ctr"/>
+            <a:endParaRPr lang="fr-FR"/>
+          </a:p>
+        </p:txBody>
+      </p:sp>
+      <p:sp>
+        <p:nvSpPr>
+          <p:cNvPr id="31" name="Signe Moins 30">
+            <a:extLst>
+              <a:ext uri="{FF2B5EF4-FFF2-40B4-BE49-F238E27FC236}">
+                <a16:creationId xmlns:a16="http://schemas.microsoft.com/office/drawing/2014/main" id="{76CC56C6-9E2E-580E-34B1-189C19CE5178}"/>
+              </a:ext>
+            </a:extLst>
+          </p:cNvPr>
+          <p:cNvSpPr/>
+          <p:nvPr/>
+        </p:nvSpPr>
+        <p:spPr>
+          <a:xfrm>
+            <a:off x="3550168" y="6216192"/>
+            <a:ext cx="121920" cy="45719"/>
+          </a:xfrm>
+          <a:prstGeom prst="mathMinus">
+            <a:avLst/>
+          </a:prstGeom>
+        </p:spPr>
+        <p:style>
+          <a:lnRef idx="2">
+            <a:schemeClr val="accent1">
+              <a:shade val="15000"/>
+            </a:schemeClr>
+          </a:lnRef>
+          <a:fillRef idx="1">
+            <a:schemeClr val="accent1"/>
+          </a:fillRef>
+          <a:effectRef idx="0">
+            <a:schemeClr val="accent1"/>
+          </a:effectRef>
+          <a:fontRef idx="minor">
+            <a:schemeClr val="lt1"/>
+          </a:fontRef>
+        </p:style>
+        <p:txBody>
+          <a:bodyPr rtlCol="0" anchor="ctr"/>
+          <a:lstStyle/>
+          <a:p>
+            <a:pPr algn="ctr"/>
+            <a:endParaRPr lang="fr-FR" dirty="0"/>
+          </a:p>
+        </p:txBody>
+      </p:sp>
+      <p:sp>
+        <p:nvSpPr>
+          <p:cNvPr id="32" name="Signe Moins 31">
+            <a:extLst>
+              <a:ext uri="{FF2B5EF4-FFF2-40B4-BE49-F238E27FC236}">
+                <a16:creationId xmlns:a16="http://schemas.microsoft.com/office/drawing/2014/main" id="{F72D7931-8A10-A55B-B48D-9E3215A03F5B}"/>
+              </a:ext>
+            </a:extLst>
+          </p:cNvPr>
+          <p:cNvSpPr/>
+          <p:nvPr/>
+        </p:nvSpPr>
+        <p:spPr>
+          <a:xfrm>
+            <a:off x="4626266" y="5513375"/>
+            <a:ext cx="121920" cy="45719"/>
+          </a:xfrm>
+          <a:prstGeom prst="mathMinus">
+            <a:avLst/>
+          </a:prstGeom>
+        </p:spPr>
+        <p:style>
+          <a:lnRef idx="2">
+            <a:schemeClr val="accent1">
+              <a:shade val="15000"/>
+            </a:schemeClr>
+          </a:lnRef>
+          <a:fillRef idx="1">
+            <a:schemeClr val="accent1"/>
+          </a:fillRef>
+          <a:effectRef idx="0">
+            <a:schemeClr val="accent1"/>
+          </a:effectRef>
+          <a:fontRef idx="minor">
+            <a:schemeClr val="lt1"/>
+          </a:fontRef>
+        </p:style>
+        <p:txBody>
+          <a:bodyPr rtlCol="0" anchor="ctr"/>
+          <a:lstStyle/>
+          <a:p>
+            <a:pPr algn="ctr"/>
+            <a:endParaRPr lang="fr-FR"/>
+          </a:p>
+        </p:txBody>
+      </p:sp>
+      <p:sp>
+        <p:nvSpPr>
+          <p:cNvPr id="33" name="Signe Moins 32">
+            <a:extLst>
+              <a:ext uri="{FF2B5EF4-FFF2-40B4-BE49-F238E27FC236}">
+                <a16:creationId xmlns:a16="http://schemas.microsoft.com/office/drawing/2014/main" id="{9011A621-750D-16ED-7DE9-43D1321C2A18}"/>
+              </a:ext>
+            </a:extLst>
+          </p:cNvPr>
+          <p:cNvSpPr/>
+          <p:nvPr/>
+        </p:nvSpPr>
+        <p:spPr>
+          <a:xfrm>
+            <a:off x="4632210" y="6210933"/>
+            <a:ext cx="121920" cy="45719"/>
+          </a:xfrm>
+          <a:prstGeom prst="mathMinus">
+            <a:avLst/>
+          </a:prstGeom>
+        </p:spPr>
+        <p:style>
+          <a:lnRef idx="2">
+            <a:schemeClr val="accent1">
+              <a:shade val="15000"/>
+            </a:schemeClr>
+          </a:lnRef>
+          <a:fillRef idx="1">
+            <a:schemeClr val="accent1"/>
+          </a:fillRef>
+          <a:effectRef idx="0">
+            <a:schemeClr val="accent1"/>
+          </a:effectRef>
+          <a:fontRef idx="minor">
+            <a:schemeClr val="lt1"/>
+          </a:fontRef>
+        </p:style>
+        <p:txBody>
+          <a:bodyPr rtlCol="0" anchor="ctr"/>
+          <a:lstStyle/>
+          <a:p>
+            <a:pPr algn="ctr"/>
+            <a:endParaRPr lang="fr-FR"/>
+          </a:p>
+        </p:txBody>
+      </p:sp>
+      <p:sp>
+        <p:nvSpPr>
+          <p:cNvPr id="35" name="Signe Plus 34">
+            <a:extLst>
+              <a:ext uri="{FF2B5EF4-FFF2-40B4-BE49-F238E27FC236}">
+                <a16:creationId xmlns:a16="http://schemas.microsoft.com/office/drawing/2014/main" id="{3D07BCA2-B337-AF6F-9430-F24472D5C391}"/>
+              </a:ext>
+            </a:extLst>
+          </p:cNvPr>
+          <p:cNvSpPr/>
+          <p:nvPr/>
+        </p:nvSpPr>
+        <p:spPr>
+          <a:xfrm>
+            <a:off x="3825389" y="5472828"/>
+            <a:ext cx="126228" cy="134740"/>
+          </a:xfrm>
+          <a:prstGeom prst="mathPlus">
+            <a:avLst/>
+          </a:prstGeom>
+          <a:solidFill>
+            <a:srgbClr val="FF0000"/>
+          </a:solidFill>
+          <a:ln w="9525">
+            <a:solidFill>
+              <a:schemeClr val="tx1"/>
+            </a:solidFill>
+          </a:ln>
+        </p:spPr>
+        <p:style>
+          <a:lnRef idx="2">
+            <a:schemeClr val="accent1">
+              <a:shade val="15000"/>
+            </a:schemeClr>
+          </a:lnRef>
+          <a:fillRef idx="1">
+            <a:schemeClr val="accent1"/>
+          </a:fillRef>
+          <a:effectRef idx="0">
+            <a:schemeClr val="accent1"/>
+          </a:effectRef>
+          <a:fontRef idx="minor">
+            <a:schemeClr val="lt1"/>
+          </a:fontRef>
+        </p:style>
+        <p:txBody>
+          <a:bodyPr rtlCol="0" anchor="ctr"/>
+          <a:lstStyle/>
+          <a:p>
+            <a:pPr algn="ctr"/>
+            <a:endParaRPr lang="fr-FR" b="1">
+              <a:ln w="22225">
+                <a:solidFill>
+                  <a:srgbClr val="FF0000"/>
+                </a:solidFill>
+                <a:prstDash val="solid"/>
+              </a:ln>
+              <a:solidFill>
+                <a:srgbClr val="FF0000"/>
+              </a:solidFill>
+            </a:endParaRPr>
+          </a:p>
+        </p:txBody>
+      </p:sp>
+      <p:sp>
+        <p:nvSpPr>
+          <p:cNvPr id="36" name="Signe Plus 35">
+            <a:extLst>
+              <a:ext uri="{FF2B5EF4-FFF2-40B4-BE49-F238E27FC236}">
+                <a16:creationId xmlns:a16="http://schemas.microsoft.com/office/drawing/2014/main" id="{CCC7D8EF-14E6-6DFC-43B1-8AA41172544B}"/>
+              </a:ext>
+            </a:extLst>
+          </p:cNvPr>
+          <p:cNvSpPr/>
+          <p:nvPr/>
+        </p:nvSpPr>
+        <p:spPr>
+          <a:xfrm>
+            <a:off x="4903274" y="5468865"/>
+            <a:ext cx="126228" cy="134740"/>
+          </a:xfrm>
+          <a:prstGeom prst="mathPlus">
+            <a:avLst/>
+          </a:prstGeom>
+          <a:solidFill>
+            <a:srgbClr val="FF0000"/>
+          </a:solidFill>
+          <a:ln w="9525">
+            <a:solidFill>
+              <a:schemeClr val="tx1"/>
+            </a:solidFill>
+          </a:ln>
+        </p:spPr>
+        <p:style>
+          <a:lnRef idx="2">
+            <a:schemeClr val="accent1">
+              <a:shade val="15000"/>
+            </a:schemeClr>
+          </a:lnRef>
+          <a:fillRef idx="1">
+            <a:schemeClr val="accent1"/>
+          </a:fillRef>
+          <a:effectRef idx="0">
+            <a:schemeClr val="accent1"/>
+          </a:effectRef>
+          <a:fontRef idx="minor">
+            <a:schemeClr val="lt1"/>
+          </a:fontRef>
+        </p:style>
+        <p:txBody>
+          <a:bodyPr rtlCol="0" anchor="ctr"/>
+          <a:lstStyle/>
+          <a:p>
+            <a:pPr algn="ctr"/>
+            <a:endParaRPr lang="fr-FR" b="1">
+              <a:ln w="22225">
+                <a:solidFill>
+                  <a:srgbClr val="FF0000"/>
+                </a:solidFill>
+                <a:prstDash val="solid"/>
+              </a:ln>
+              <a:solidFill>
+                <a:srgbClr val="FF0000"/>
+              </a:solidFill>
+            </a:endParaRPr>
+          </a:p>
+        </p:txBody>
+      </p:sp>
+      <p:sp>
+        <p:nvSpPr>
+          <p:cNvPr id="37" name="Signe Plus 36">
+            <a:extLst>
+              <a:ext uri="{FF2B5EF4-FFF2-40B4-BE49-F238E27FC236}">
+                <a16:creationId xmlns:a16="http://schemas.microsoft.com/office/drawing/2014/main" id="{7D4D044E-1DC8-0065-9FAD-EDD35FA4A7BD}"/>
+              </a:ext>
+            </a:extLst>
+          </p:cNvPr>
+          <p:cNvSpPr/>
+          <p:nvPr/>
+        </p:nvSpPr>
+        <p:spPr>
+          <a:xfrm>
+            <a:off x="3821232" y="6156898"/>
+            <a:ext cx="126228" cy="134740"/>
+          </a:xfrm>
+          <a:prstGeom prst="mathPlus">
+            <a:avLst/>
+          </a:prstGeom>
+          <a:solidFill>
+            <a:srgbClr val="FF0000"/>
+          </a:solidFill>
+          <a:ln w="9525">
+            <a:solidFill>
+              <a:schemeClr val="tx1"/>
+            </a:solidFill>
+          </a:ln>
+        </p:spPr>
+        <p:style>
+          <a:lnRef idx="2">
+            <a:schemeClr val="accent1">
+              <a:shade val="15000"/>
+            </a:schemeClr>
+          </a:lnRef>
+          <a:fillRef idx="1">
+            <a:schemeClr val="accent1"/>
+          </a:fillRef>
+          <a:effectRef idx="0">
+            <a:schemeClr val="accent1"/>
+          </a:effectRef>
+          <a:fontRef idx="minor">
+            <a:schemeClr val="lt1"/>
+          </a:fontRef>
+        </p:style>
+        <p:txBody>
+          <a:bodyPr rtlCol="0" anchor="ctr"/>
+          <a:lstStyle/>
+          <a:p>
+            <a:pPr algn="ctr"/>
+            <a:endParaRPr lang="fr-FR" b="1">
+              <a:ln w="22225">
+                <a:solidFill>
+                  <a:srgbClr val="FF0000"/>
+                </a:solidFill>
+                <a:prstDash val="solid"/>
+              </a:ln>
+              <a:solidFill>
+                <a:srgbClr val="FF0000"/>
+              </a:solidFill>
+            </a:endParaRPr>
+          </a:p>
+        </p:txBody>
+      </p:sp>
+      <p:sp>
+        <p:nvSpPr>
+          <p:cNvPr id="38" name="Signe Plus 37">
+            <a:extLst>
+              <a:ext uri="{FF2B5EF4-FFF2-40B4-BE49-F238E27FC236}">
+                <a16:creationId xmlns:a16="http://schemas.microsoft.com/office/drawing/2014/main" id="{2877548E-651A-147B-4BD3-922C3C9C5D8A}"/>
+              </a:ext>
+            </a:extLst>
+          </p:cNvPr>
+          <p:cNvSpPr/>
+          <p:nvPr/>
+        </p:nvSpPr>
+        <p:spPr>
+          <a:xfrm>
+            <a:off x="4903274" y="6166422"/>
+            <a:ext cx="126228" cy="134740"/>
+          </a:xfrm>
+          <a:prstGeom prst="mathPlus">
+            <a:avLst/>
+          </a:prstGeom>
+          <a:solidFill>
+            <a:srgbClr val="FF0000"/>
+          </a:solidFill>
+          <a:ln w="9525">
+            <a:solidFill>
+              <a:schemeClr val="tx1"/>
+            </a:solidFill>
+          </a:ln>
+        </p:spPr>
+        <p:style>
+          <a:lnRef idx="2">
+            <a:schemeClr val="accent1">
+              <a:shade val="15000"/>
+            </a:schemeClr>
+          </a:lnRef>
+          <a:fillRef idx="1">
+            <a:schemeClr val="accent1"/>
+          </a:fillRef>
+          <a:effectRef idx="0">
+            <a:schemeClr val="accent1"/>
+          </a:effectRef>
+          <a:fontRef idx="minor">
+            <a:schemeClr val="lt1"/>
+          </a:fontRef>
+        </p:style>
+        <p:txBody>
+          <a:bodyPr rtlCol="0" anchor="ctr"/>
+          <a:lstStyle/>
+          <a:p>
+            <a:pPr algn="ctr"/>
+            <a:endParaRPr lang="fr-FR" b="1">
+              <a:ln w="22225">
+                <a:solidFill>
+                  <a:srgbClr val="FF0000"/>
+                </a:solidFill>
+                <a:prstDash val="solid"/>
+              </a:ln>
+              <a:solidFill>
+                <a:srgbClr val="FF0000"/>
+              </a:solidFill>
+            </a:endParaRPr>
+          </a:p>
+        </p:txBody>
+      </p:sp>
+      <p:sp>
+        <p:nvSpPr>
+          <p:cNvPr id="39" name="Rectangle 38">
+            <a:extLst>
+              <a:ext uri="{FF2B5EF4-FFF2-40B4-BE49-F238E27FC236}">
+                <a16:creationId xmlns:a16="http://schemas.microsoft.com/office/drawing/2014/main" id="{FF4EFACC-3F03-39CE-2F90-5C82EB3DC0EF}"/>
+              </a:ext>
+            </a:extLst>
+          </p:cNvPr>
+          <p:cNvSpPr/>
+          <p:nvPr/>
+        </p:nvSpPr>
+        <p:spPr>
+          <a:xfrm>
+            <a:off x="4387011" y="4304927"/>
+            <a:ext cx="689050" cy="863198"/>
+          </a:xfrm>
+          <a:prstGeom prst="rect">
+            <a:avLst/>
+          </a:prstGeom>
+          <a:solidFill>
+            <a:schemeClr val="accent1">
+              <a:alpha val="90000"/>
+            </a:schemeClr>
+          </a:solidFill>
+        </p:spPr>
+        <p:style>
+          <a:lnRef idx="2">
+            <a:schemeClr val="accent1">
+              <a:shade val="15000"/>
+            </a:schemeClr>
+          </a:lnRef>
+          <a:fillRef idx="1">
+            <a:schemeClr val="accent1"/>
+          </a:fillRef>
+          <a:effectRef idx="0">
+            <a:schemeClr val="accent1"/>
+          </a:effectRef>
+          <a:fontRef idx="minor">
+            <a:schemeClr val="lt1"/>
+          </a:fontRef>
+        </p:style>
+        <p:txBody>
+          <a:bodyPr lIns="72000" tIns="0" rtlCol="0" anchor="t" anchorCtr="0"/>
+          <a:lstStyle/>
+          <a:p>
+            <a:r>
+              <a:rPr lang="fr-FR" sz="800" dirty="0"/>
+              <a:t>Conn FDC2</a:t>
+            </a:r>
+          </a:p>
+          <a:p>
+            <a:r>
+              <a:rPr lang="fr-FR" sz="800" dirty="0"/>
+              <a:t>   </a:t>
+            </a:r>
+          </a:p>
+          <a:p>
+            <a:r>
+              <a:rPr lang="fr-FR" sz="800" dirty="0"/>
+              <a:t>   </a:t>
+            </a:r>
+            <a:r>
+              <a:rPr lang="fr-FR" sz="800" dirty="0">
+                <a:ln w="3175">
+                  <a:solidFill>
+                    <a:schemeClr val="tx1"/>
+                  </a:solidFill>
+                </a:ln>
+                <a:solidFill>
+                  <a:srgbClr val="FF0000"/>
+                </a:solidFill>
+              </a:rPr>
+              <a:t>GPIO 3</a:t>
+            </a:r>
+          </a:p>
+          <a:p>
+            <a:endParaRPr lang="fr-FR" sz="800" dirty="0"/>
+          </a:p>
+          <a:p>
+            <a:r>
+              <a:rPr lang="fr-FR" sz="800" dirty="0"/>
+              <a:t>    </a:t>
+            </a:r>
+            <a:r>
+              <a:rPr lang="fr-FR" sz="800" dirty="0">
+                <a:solidFill>
+                  <a:schemeClr val="tx1"/>
+                </a:solidFill>
+              </a:rPr>
+              <a:t>GND</a:t>
+            </a:r>
+          </a:p>
+        </p:txBody>
+      </p:sp>
+      <p:sp>
+        <p:nvSpPr>
+          <p:cNvPr id="40" name="Rectangle 39">
+            <a:extLst>
+              <a:ext uri="{FF2B5EF4-FFF2-40B4-BE49-F238E27FC236}">
+                <a16:creationId xmlns:a16="http://schemas.microsoft.com/office/drawing/2014/main" id="{8532EF29-8A00-87AD-F096-C51BBF77E963}"/>
+              </a:ext>
+            </a:extLst>
+          </p:cNvPr>
+          <p:cNvSpPr/>
+          <p:nvPr/>
+        </p:nvSpPr>
+        <p:spPr>
+          <a:xfrm>
+            <a:off x="5354536" y="4304927"/>
+            <a:ext cx="689050" cy="863198"/>
+          </a:xfrm>
+          <a:prstGeom prst="rect">
+            <a:avLst/>
+          </a:prstGeom>
+          <a:solidFill>
+            <a:schemeClr val="accent1">
+              <a:alpha val="90000"/>
+            </a:schemeClr>
+          </a:solidFill>
+        </p:spPr>
+        <p:style>
+          <a:lnRef idx="2">
+            <a:schemeClr val="accent1">
+              <a:shade val="15000"/>
+            </a:schemeClr>
+          </a:lnRef>
+          <a:fillRef idx="1">
+            <a:schemeClr val="accent1"/>
+          </a:fillRef>
+          <a:effectRef idx="0">
+            <a:schemeClr val="accent1"/>
+          </a:effectRef>
+          <a:fontRef idx="minor">
+            <a:schemeClr val="lt1"/>
+          </a:fontRef>
+        </p:style>
+        <p:txBody>
+          <a:bodyPr tIns="0" rtlCol="0" anchor="t" anchorCtr="0"/>
+          <a:lstStyle/>
+          <a:p>
+            <a:r>
+              <a:rPr lang="fr-FR" sz="800" dirty="0"/>
+              <a:t>Conn FDC3</a:t>
+            </a:r>
+          </a:p>
+          <a:p>
+            <a:r>
+              <a:rPr lang="fr-FR" sz="800" dirty="0"/>
+              <a:t>    </a:t>
+            </a:r>
+          </a:p>
+          <a:p>
+            <a:pPr algn="ctr"/>
+            <a:r>
+              <a:rPr lang="fr-FR" sz="800" dirty="0">
+                <a:ln w="3175">
+                  <a:solidFill>
+                    <a:schemeClr val="tx1"/>
+                  </a:solidFill>
+                </a:ln>
+                <a:solidFill>
+                  <a:srgbClr val="FF0000"/>
+                </a:solidFill>
+              </a:rPr>
+              <a:t>GPIO 17</a:t>
+            </a:r>
+          </a:p>
+          <a:p>
+            <a:endParaRPr lang="fr-FR" sz="800" dirty="0"/>
+          </a:p>
+          <a:p>
+            <a:r>
+              <a:rPr lang="fr-FR" sz="800" dirty="0"/>
+              <a:t>     </a:t>
+            </a:r>
+            <a:r>
+              <a:rPr lang="fr-FR" sz="800" dirty="0">
+                <a:solidFill>
+                  <a:schemeClr val="tx1"/>
+                </a:solidFill>
+              </a:rPr>
+              <a:t>GND</a:t>
+            </a:r>
+            <a:endParaRPr lang="fr-FR" sz="800" dirty="0"/>
+          </a:p>
+          <a:p>
+            <a:pPr algn="ctr"/>
+            <a:endParaRPr lang="fr-FR" sz="800" dirty="0"/>
+          </a:p>
+        </p:txBody>
+      </p:sp>
+      <p:sp>
+        <p:nvSpPr>
+          <p:cNvPr id="41" name="Rectangle 40">
+            <a:extLst>
+              <a:ext uri="{FF2B5EF4-FFF2-40B4-BE49-F238E27FC236}">
+                <a16:creationId xmlns:a16="http://schemas.microsoft.com/office/drawing/2014/main" id="{A34A4460-B1C2-3E53-616E-0B0FB6BD6A05}"/>
+              </a:ext>
+            </a:extLst>
+          </p:cNvPr>
+          <p:cNvSpPr/>
+          <p:nvPr/>
+        </p:nvSpPr>
+        <p:spPr>
+          <a:xfrm>
+            <a:off x="6340862" y="4304927"/>
+            <a:ext cx="689050" cy="863198"/>
+          </a:xfrm>
+          <a:prstGeom prst="rect">
+            <a:avLst/>
+          </a:prstGeom>
+          <a:solidFill>
+            <a:schemeClr val="accent1">
+              <a:alpha val="90000"/>
+            </a:schemeClr>
+          </a:solidFill>
+        </p:spPr>
+        <p:style>
+          <a:lnRef idx="2">
+            <a:schemeClr val="accent1">
+              <a:shade val="15000"/>
+            </a:schemeClr>
+          </a:lnRef>
+          <a:fillRef idx="1">
+            <a:schemeClr val="accent1"/>
+          </a:fillRef>
+          <a:effectRef idx="0">
+            <a:schemeClr val="accent1"/>
+          </a:effectRef>
+          <a:fontRef idx="minor">
+            <a:schemeClr val="lt1"/>
+          </a:fontRef>
+        </p:style>
+        <p:txBody>
+          <a:bodyPr rtlCol="0" anchor="ctr"/>
+          <a:lstStyle/>
+          <a:p>
+            <a:pPr algn="ctr"/>
+            <a:endParaRPr lang="fr-FR" sz="800" dirty="0"/>
+          </a:p>
+          <a:p>
+            <a:pPr algn="ctr"/>
+            <a:endParaRPr lang="fr-FR" sz="800" dirty="0"/>
+          </a:p>
+          <a:p>
+            <a:pPr algn="ctr"/>
+            <a:endParaRPr lang="fr-FR" sz="800" dirty="0"/>
+          </a:p>
+          <a:p>
+            <a:endParaRPr lang="fr-FR" sz="800" dirty="0"/>
+          </a:p>
+          <a:p>
+            <a:r>
+              <a:rPr lang="fr-FR" sz="800" dirty="0"/>
+              <a:t>Conn FDC4</a:t>
+            </a:r>
+          </a:p>
+          <a:p>
+            <a:r>
+              <a:rPr lang="fr-FR" sz="800" dirty="0"/>
+              <a:t>    </a:t>
+            </a:r>
+          </a:p>
+          <a:p>
+            <a:pPr algn="ctr"/>
+            <a:r>
+              <a:rPr lang="fr-FR" sz="800" dirty="0">
+                <a:ln w="3175">
+                  <a:solidFill>
+                    <a:schemeClr val="tx1"/>
+                  </a:solidFill>
+                </a:ln>
+                <a:solidFill>
+                  <a:srgbClr val="FF0000"/>
+                </a:solidFill>
+              </a:rPr>
+              <a:t>GPIO 27</a:t>
+            </a:r>
+          </a:p>
+          <a:p>
+            <a:endParaRPr lang="fr-FR" sz="800" dirty="0"/>
+          </a:p>
+          <a:p>
+            <a:r>
+              <a:rPr lang="fr-FR" sz="800" dirty="0"/>
+              <a:t>     </a:t>
+            </a:r>
+            <a:r>
+              <a:rPr lang="fr-FR" sz="800" dirty="0">
+                <a:solidFill>
+                  <a:schemeClr val="tx1"/>
+                </a:solidFill>
+              </a:rPr>
+              <a:t>GND</a:t>
+            </a:r>
+          </a:p>
+          <a:p>
+            <a:endParaRPr lang="fr-FR" sz="800" dirty="0"/>
+          </a:p>
+          <a:p>
+            <a:endParaRPr lang="fr-FR" sz="800" dirty="0"/>
+          </a:p>
+          <a:p>
+            <a:pPr algn="ctr"/>
+            <a:endParaRPr lang="fr-FR" sz="800" dirty="0"/>
+          </a:p>
+          <a:p>
+            <a:pPr algn="ctr"/>
+            <a:endParaRPr lang="fr-FR" sz="800" dirty="0"/>
+          </a:p>
+          <a:p>
+            <a:pPr algn="ctr"/>
+            <a:endParaRPr lang="fr-FR" sz="800" dirty="0"/>
+          </a:p>
+          <a:p>
+            <a:pPr algn="ctr"/>
+            <a:endParaRPr lang="fr-FR" sz="800" dirty="0"/>
+          </a:p>
+        </p:txBody>
+      </p:sp>
+      <p:sp>
+        <p:nvSpPr>
+          <p:cNvPr id="42" name="Rectangle 41">
+            <a:extLst>
+              <a:ext uri="{FF2B5EF4-FFF2-40B4-BE49-F238E27FC236}">
+                <a16:creationId xmlns:a16="http://schemas.microsoft.com/office/drawing/2014/main" id="{95124432-BC77-3E95-6245-9AF8D515CDBF}"/>
+              </a:ext>
+            </a:extLst>
+          </p:cNvPr>
+          <p:cNvSpPr/>
+          <p:nvPr/>
+        </p:nvSpPr>
+        <p:spPr>
+          <a:xfrm>
+            <a:off x="7206137" y="5283378"/>
+            <a:ext cx="1404103" cy="602381"/>
+          </a:xfrm>
+          <a:prstGeom prst="rect">
+            <a:avLst/>
+          </a:prstGeom>
+          <a:solidFill>
+            <a:schemeClr val="accent2">
+              <a:alpha val="90000"/>
+            </a:schemeClr>
+          </a:solidFill>
+        </p:spPr>
+        <p:style>
+          <a:lnRef idx="2">
+            <a:schemeClr val="accent2">
+              <a:shade val="15000"/>
+            </a:schemeClr>
+          </a:lnRef>
+          <a:fillRef idx="1">
+            <a:schemeClr val="accent2"/>
+          </a:fillRef>
+          <a:effectRef idx="0">
+            <a:schemeClr val="accent2"/>
+          </a:effectRef>
+          <a:fontRef idx="minor">
+            <a:schemeClr val="lt1"/>
+          </a:fontRef>
+        </p:style>
+        <p:txBody>
+          <a:bodyPr rtlCol="0" anchor="ctr"/>
+          <a:lstStyle/>
+          <a:p>
+            <a:pPr algn="ctr">
+              <a:lnSpc>
+                <a:spcPct val="200000"/>
+              </a:lnSpc>
+            </a:pPr>
+            <a:r>
+              <a:rPr lang="fr-FR" sz="1000" dirty="0" err="1"/>
+              <a:t>Connector</a:t>
+            </a:r>
+            <a:r>
+              <a:rPr lang="fr-FR" sz="1000" dirty="0"/>
+              <a:t> uart4</a:t>
+            </a:r>
+            <a:endParaRPr lang="fr-FR" sz="900" dirty="0"/>
+          </a:p>
+          <a:p>
+            <a:pPr algn="ctr"/>
+            <a:r>
+              <a:rPr lang="fr-FR" sz="900" b="1" dirty="0">
+                <a:solidFill>
+                  <a:schemeClr val="tx1"/>
+                </a:solidFill>
+              </a:rPr>
+              <a:t>GND</a:t>
+            </a:r>
+            <a:r>
+              <a:rPr lang="fr-FR" sz="900" dirty="0"/>
+              <a:t>    TX    RX     </a:t>
+            </a:r>
+            <a:r>
+              <a:rPr lang="fr-FR" sz="900" dirty="0">
+                <a:ln w="3175">
+                  <a:solidFill>
+                    <a:schemeClr val="tx1"/>
+                  </a:solidFill>
+                </a:ln>
+                <a:solidFill>
+                  <a:srgbClr val="FF0000"/>
+                </a:solidFill>
+              </a:rPr>
+              <a:t>3v3</a:t>
+            </a:r>
+            <a:endParaRPr lang="fr-FR" sz="1200" dirty="0">
+              <a:ln w="3175">
+                <a:solidFill>
+                  <a:schemeClr val="tx1"/>
+                </a:solidFill>
+              </a:ln>
+              <a:solidFill>
+                <a:srgbClr val="FF0000"/>
+              </a:solidFill>
+            </a:endParaRPr>
+          </a:p>
+          <a:p>
+            <a:pPr algn="ctr"/>
+            <a:endParaRPr lang="fr-FR" sz="1200" dirty="0"/>
+          </a:p>
+          <a:p>
+            <a:pPr algn="ctr"/>
+            <a:endParaRPr lang="fr-FR" sz="1200" dirty="0"/>
+          </a:p>
+        </p:txBody>
+      </p:sp>
+      <p:sp>
+        <p:nvSpPr>
+          <p:cNvPr id="44" name="Rectangle 43">
+            <a:extLst>
+              <a:ext uri="{FF2B5EF4-FFF2-40B4-BE49-F238E27FC236}">
+                <a16:creationId xmlns:a16="http://schemas.microsoft.com/office/drawing/2014/main" id="{3EF6B8C7-10BB-99A9-2311-D1196DD4631E}"/>
+              </a:ext>
+            </a:extLst>
+          </p:cNvPr>
+          <p:cNvSpPr/>
+          <p:nvPr/>
+        </p:nvSpPr>
+        <p:spPr>
+          <a:xfrm>
+            <a:off x="9380307" y="2995234"/>
+            <a:ext cx="170450" cy="1595943"/>
+          </a:xfrm>
+          <a:prstGeom prst="rect">
+            <a:avLst/>
+          </a:prstGeom>
+          <a:solidFill>
+            <a:schemeClr val="dk1">
+              <a:alpha val="84000"/>
+            </a:schemeClr>
+          </a:solidFill>
+        </p:spPr>
+        <p:style>
+          <a:lnRef idx="2">
+            <a:schemeClr val="dk1">
+              <a:shade val="15000"/>
+            </a:schemeClr>
+          </a:lnRef>
+          <a:fillRef idx="1">
+            <a:schemeClr val="dk1"/>
+          </a:fillRef>
+          <a:effectRef idx="0">
+            <a:schemeClr val="dk1"/>
+          </a:effectRef>
+          <a:fontRef idx="minor">
+            <a:schemeClr val="lt1"/>
+          </a:fontRef>
+        </p:style>
+        <p:txBody>
+          <a:bodyPr rtlCol="0" anchor="ctr"/>
+          <a:lstStyle/>
+          <a:p>
+            <a:pPr algn="ctr"/>
+            <a:endParaRPr lang="fr-FR"/>
+          </a:p>
+        </p:txBody>
+      </p:sp>
+      <p:sp>
+        <p:nvSpPr>
+          <p:cNvPr id="45" name="Rectangle 44">
+            <a:extLst>
+              <a:ext uri="{FF2B5EF4-FFF2-40B4-BE49-F238E27FC236}">
+                <a16:creationId xmlns:a16="http://schemas.microsoft.com/office/drawing/2014/main" id="{2579F049-B49A-4E16-D822-27C8600BB839}"/>
+              </a:ext>
+            </a:extLst>
+          </p:cNvPr>
+          <p:cNvSpPr/>
+          <p:nvPr/>
+        </p:nvSpPr>
+        <p:spPr>
+          <a:xfrm>
+            <a:off x="8823960" y="3006115"/>
+            <a:ext cx="170450" cy="1595943"/>
+          </a:xfrm>
+          <a:prstGeom prst="rect">
+            <a:avLst/>
+          </a:prstGeom>
+          <a:solidFill>
+            <a:srgbClr val="FF0000">
+              <a:alpha val="84000"/>
+            </a:srgbClr>
+          </a:solidFill>
+        </p:spPr>
+        <p:style>
+          <a:lnRef idx="2">
+            <a:schemeClr val="dk1">
+              <a:shade val="15000"/>
+            </a:schemeClr>
+          </a:lnRef>
+          <a:fillRef idx="1">
+            <a:schemeClr val="dk1"/>
+          </a:fillRef>
+          <a:effectRef idx="0">
+            <a:schemeClr val="dk1"/>
+          </a:effectRef>
+          <a:fontRef idx="minor">
+            <a:schemeClr val="lt1"/>
+          </a:fontRef>
+        </p:style>
+        <p:txBody>
+          <a:bodyPr rtlCol="0" anchor="ctr"/>
+          <a:lstStyle/>
+          <a:p>
+            <a:pPr algn="ctr"/>
+            <a:endParaRPr lang="fr-FR"/>
+          </a:p>
+        </p:txBody>
+      </p:sp>
+      <p:sp>
+        <p:nvSpPr>
+          <p:cNvPr id="43" name="Rectangle 42">
+            <a:extLst>
+              <a:ext uri="{FF2B5EF4-FFF2-40B4-BE49-F238E27FC236}">
+                <a16:creationId xmlns:a16="http://schemas.microsoft.com/office/drawing/2014/main" id="{BF1A11A5-2F18-1EC6-3D75-5D0F5D8CFDAC}"/>
+              </a:ext>
+            </a:extLst>
+          </p:cNvPr>
+          <p:cNvSpPr/>
+          <p:nvPr/>
+        </p:nvSpPr>
+        <p:spPr>
+          <a:xfrm>
+            <a:off x="7206137" y="5999971"/>
+            <a:ext cx="1404103" cy="602381"/>
+          </a:xfrm>
+          <a:prstGeom prst="rect">
+            <a:avLst/>
+          </a:prstGeom>
+          <a:solidFill>
+            <a:schemeClr val="accent2">
+              <a:alpha val="90000"/>
+            </a:schemeClr>
+          </a:solidFill>
+        </p:spPr>
+        <p:style>
+          <a:lnRef idx="2">
+            <a:schemeClr val="accent2">
+              <a:shade val="15000"/>
+            </a:schemeClr>
+          </a:lnRef>
+          <a:fillRef idx="1">
+            <a:schemeClr val="accent2"/>
+          </a:fillRef>
+          <a:effectRef idx="0">
+            <a:schemeClr val="accent2"/>
+          </a:effectRef>
+          <a:fontRef idx="minor">
+            <a:schemeClr val="lt1"/>
+          </a:fontRef>
+        </p:style>
+        <p:txBody>
+          <a:bodyPr rtlCol="0" anchor="ctr"/>
+          <a:lstStyle/>
+          <a:p>
+            <a:pPr algn="ctr">
+              <a:lnSpc>
+                <a:spcPct val="200000"/>
+              </a:lnSpc>
+            </a:pPr>
+            <a:r>
+              <a:rPr lang="fr-FR" sz="1000" dirty="0" err="1"/>
+              <a:t>Connector</a:t>
+            </a:r>
+            <a:r>
+              <a:rPr lang="fr-FR" sz="1000" dirty="0"/>
+              <a:t> IHM(uart2)</a:t>
+            </a:r>
+            <a:endParaRPr lang="fr-FR" sz="900" dirty="0"/>
+          </a:p>
+          <a:p>
+            <a:pPr algn="ctr"/>
+            <a:r>
+              <a:rPr lang="fr-FR" sz="900" b="1" dirty="0">
+                <a:solidFill>
+                  <a:schemeClr val="tx1"/>
+                </a:solidFill>
+              </a:rPr>
+              <a:t>GND</a:t>
+            </a:r>
+            <a:r>
+              <a:rPr lang="fr-FR" sz="900" dirty="0"/>
+              <a:t>    TX    RX     </a:t>
+            </a:r>
+            <a:r>
+              <a:rPr lang="fr-FR" sz="900" dirty="0">
+                <a:ln w="3175">
+                  <a:solidFill>
+                    <a:schemeClr val="tx1"/>
+                  </a:solidFill>
+                </a:ln>
+                <a:solidFill>
+                  <a:srgbClr val="FF0000"/>
+                </a:solidFill>
+              </a:rPr>
+              <a:t>3v3</a:t>
+            </a:r>
+            <a:endParaRPr lang="fr-FR" sz="1200" dirty="0">
+              <a:ln w="3175">
+                <a:solidFill>
+                  <a:schemeClr val="tx1"/>
+                </a:solidFill>
+              </a:ln>
+              <a:solidFill>
+                <a:srgbClr val="FF0000"/>
+              </a:solidFill>
+            </a:endParaRPr>
+          </a:p>
+          <a:p>
+            <a:pPr algn="ctr"/>
+            <a:endParaRPr lang="fr-FR" sz="1200" dirty="0"/>
+          </a:p>
+          <a:p>
+            <a:pPr algn="ctr"/>
+            <a:endParaRPr lang="fr-FR" sz="1200" dirty="0"/>
+          </a:p>
+        </p:txBody>
+      </p:sp>
+      <p:sp>
+        <p:nvSpPr>
+          <p:cNvPr id="24" name="Rectangle 23">
+            <a:extLst>
+              <a:ext uri="{FF2B5EF4-FFF2-40B4-BE49-F238E27FC236}">
+                <a16:creationId xmlns:a16="http://schemas.microsoft.com/office/drawing/2014/main" id="{91954FD3-8BBF-0720-A755-0AE2798D71EE}"/>
+              </a:ext>
+            </a:extLst>
+          </p:cNvPr>
+          <p:cNvSpPr/>
+          <p:nvPr/>
+        </p:nvSpPr>
+        <p:spPr>
+          <a:xfrm>
+            <a:off x="8786463" y="2346195"/>
+            <a:ext cx="839685" cy="2298322"/>
+          </a:xfrm>
+          <a:prstGeom prst="rect">
+            <a:avLst/>
+          </a:prstGeom>
+          <a:solidFill>
+            <a:srgbClr val="7030A0">
+              <a:alpha val="80000"/>
+            </a:srgbClr>
+          </a:solidFill>
+        </p:spPr>
+        <p:style>
+          <a:lnRef idx="2">
+            <a:schemeClr val="accent1">
+              <a:shade val="15000"/>
+            </a:schemeClr>
+          </a:lnRef>
+          <a:fillRef idx="1">
+            <a:schemeClr val="accent1"/>
+          </a:fillRef>
+          <a:effectRef idx="0">
+            <a:schemeClr val="accent1"/>
+          </a:effectRef>
+          <a:fontRef idx="minor">
+            <a:schemeClr val="lt1"/>
+          </a:fontRef>
+        </p:style>
+        <p:txBody>
+          <a:bodyPr rtlCol="0" anchor="ctr"/>
+          <a:lstStyle/>
+          <a:p>
+            <a:pPr algn="ctr"/>
+            <a:r>
+              <a:rPr lang="fr-FR" dirty="0"/>
+              <a:t> </a:t>
+            </a:r>
+          </a:p>
+        </p:txBody>
+      </p:sp>
+      <p:sp>
+        <p:nvSpPr>
+          <p:cNvPr id="25" name="ZoneTexte 24">
+            <a:extLst>
+              <a:ext uri="{FF2B5EF4-FFF2-40B4-BE49-F238E27FC236}">
+                <a16:creationId xmlns:a16="http://schemas.microsoft.com/office/drawing/2014/main" id="{CE8CA36B-0A4B-3BE8-0C11-8AC7ED78EC2E}"/>
+              </a:ext>
+            </a:extLst>
+          </p:cNvPr>
+          <p:cNvSpPr txBox="1"/>
+          <p:nvPr/>
+        </p:nvSpPr>
+        <p:spPr>
+          <a:xfrm>
+            <a:off x="8745773" y="2812002"/>
+            <a:ext cx="1088453" cy="246221"/>
+          </a:xfrm>
+          <a:prstGeom prst="rect">
+            <a:avLst/>
+          </a:prstGeom>
+          <a:noFill/>
+        </p:spPr>
+        <p:txBody>
+          <a:bodyPr wrap="square" rtlCol="0">
+            <a:spAutoFit/>
+          </a:bodyPr>
+          <a:lstStyle/>
+          <a:p>
+            <a:pPr algn="just"/>
+            <a:r>
+              <a:rPr lang="fr-FR" sz="1000" dirty="0">
+                <a:solidFill>
+                  <a:schemeClr val="bg1"/>
+                </a:solidFill>
+              </a:rPr>
+              <a:t>3V3–</a:t>
+            </a:r>
+            <a:r>
+              <a:rPr lang="fr-FR" sz="1000" dirty="0" err="1">
+                <a:solidFill>
+                  <a:schemeClr val="bg1"/>
+                </a:solidFill>
+              </a:rPr>
+              <a:t>Gpio-Gnd</a:t>
+            </a:r>
+            <a:endParaRPr lang="fr-FR" sz="1000" dirty="0">
+              <a:solidFill>
+                <a:schemeClr val="bg1"/>
+              </a:solidFill>
+            </a:endParaRPr>
+          </a:p>
+        </p:txBody>
+      </p:sp>
+      <p:sp>
+        <p:nvSpPr>
+          <p:cNvPr id="46" name="ZoneTexte 45">
+            <a:extLst>
+              <a:ext uri="{FF2B5EF4-FFF2-40B4-BE49-F238E27FC236}">
+                <a16:creationId xmlns:a16="http://schemas.microsoft.com/office/drawing/2014/main" id="{84654B47-0A06-0D94-5890-03F5FDF88949}"/>
+              </a:ext>
+            </a:extLst>
+          </p:cNvPr>
+          <p:cNvSpPr txBox="1"/>
+          <p:nvPr/>
+        </p:nvSpPr>
+        <p:spPr>
+          <a:xfrm>
+            <a:off x="8945420" y="2923490"/>
+            <a:ext cx="689160" cy="1915140"/>
+          </a:xfrm>
+          <a:prstGeom prst="rect">
+            <a:avLst/>
+          </a:prstGeom>
+          <a:noFill/>
+        </p:spPr>
+        <p:txBody>
+          <a:bodyPr wrap="square" rtlCol="0">
+            <a:spAutoFit/>
+          </a:bodyPr>
+          <a:lstStyle/>
+          <a:p>
+            <a:pPr algn="just">
+              <a:lnSpc>
+                <a:spcPct val="150000"/>
+              </a:lnSpc>
+            </a:pPr>
+            <a:r>
+              <a:rPr lang="fr-FR" sz="1000" dirty="0">
+                <a:solidFill>
+                  <a:schemeClr val="bg1"/>
+                </a:solidFill>
+              </a:rPr>
+              <a:t>GPIO 26</a:t>
+            </a:r>
+          </a:p>
+          <a:p>
+            <a:pPr algn="just">
+              <a:lnSpc>
+                <a:spcPct val="150000"/>
+              </a:lnSpc>
+            </a:pPr>
+            <a:r>
+              <a:rPr lang="fr-FR" sz="1000" dirty="0">
+                <a:solidFill>
+                  <a:schemeClr val="bg1"/>
+                </a:solidFill>
+              </a:rPr>
+              <a:t>GPIO 16</a:t>
+            </a:r>
+          </a:p>
+          <a:p>
+            <a:pPr algn="just">
+              <a:lnSpc>
+                <a:spcPct val="200000"/>
+              </a:lnSpc>
+            </a:pPr>
+            <a:r>
+              <a:rPr lang="fr-FR" sz="1000" dirty="0">
+                <a:solidFill>
+                  <a:schemeClr val="bg1"/>
+                </a:solidFill>
+              </a:rPr>
+              <a:t>GPIO 19</a:t>
+            </a:r>
+          </a:p>
+          <a:p>
+            <a:pPr algn="just">
+              <a:lnSpc>
+                <a:spcPct val="200000"/>
+              </a:lnSpc>
+            </a:pPr>
+            <a:r>
+              <a:rPr lang="fr-FR" sz="1000" dirty="0">
+                <a:solidFill>
+                  <a:schemeClr val="bg1"/>
+                </a:solidFill>
+              </a:rPr>
+              <a:t>GPIO 7</a:t>
+            </a:r>
+          </a:p>
+          <a:p>
+            <a:pPr algn="just">
+              <a:lnSpc>
+                <a:spcPct val="200000"/>
+              </a:lnSpc>
+            </a:pPr>
+            <a:r>
+              <a:rPr lang="fr-FR" sz="1000" dirty="0">
+                <a:solidFill>
+                  <a:schemeClr val="bg1"/>
+                </a:solidFill>
+              </a:rPr>
+              <a:t>GPIO 6</a:t>
+            </a:r>
+          </a:p>
+          <a:p>
+            <a:pPr algn="just">
+              <a:lnSpc>
+                <a:spcPct val="150000"/>
+              </a:lnSpc>
+            </a:pPr>
+            <a:r>
+              <a:rPr lang="fr-FR" sz="1000" dirty="0">
+                <a:solidFill>
+                  <a:schemeClr val="bg1"/>
+                </a:solidFill>
+              </a:rPr>
+              <a:t>GPIO 11</a:t>
+            </a:r>
+          </a:p>
+          <a:p>
+            <a:pPr algn="just">
+              <a:lnSpc>
+                <a:spcPct val="150000"/>
+              </a:lnSpc>
+            </a:pPr>
+            <a:endParaRPr lang="fr-FR" sz="1000" dirty="0">
+              <a:solidFill>
+                <a:schemeClr val="bg1"/>
+              </a:solidFill>
+            </a:endParaRPr>
+          </a:p>
+        </p:txBody>
+      </p:sp>
+      <p:sp>
+        <p:nvSpPr>
+          <p:cNvPr id="54" name="ZoneTexte 53">
+            <a:extLst>
+              <a:ext uri="{FF2B5EF4-FFF2-40B4-BE49-F238E27FC236}">
+                <a16:creationId xmlns:a16="http://schemas.microsoft.com/office/drawing/2014/main" id="{F352A354-A793-DBE4-A6D1-6116669048E3}"/>
+              </a:ext>
+            </a:extLst>
+          </p:cNvPr>
+          <p:cNvSpPr txBox="1"/>
+          <p:nvPr/>
+        </p:nvSpPr>
+        <p:spPr>
+          <a:xfrm>
+            <a:off x="8745772" y="2309302"/>
+            <a:ext cx="1088453" cy="607089"/>
+          </a:xfrm>
+          <a:prstGeom prst="rect">
+            <a:avLst/>
+          </a:prstGeom>
+          <a:noFill/>
+        </p:spPr>
+        <p:txBody>
+          <a:bodyPr wrap="square" rtlCol="0">
+            <a:spAutoFit/>
+          </a:bodyPr>
+          <a:lstStyle/>
+          <a:p>
+            <a:pPr algn="just"/>
+            <a:r>
+              <a:rPr lang="fr-FR" sz="1000" dirty="0">
+                <a:solidFill>
+                  <a:schemeClr val="bg1"/>
+                </a:solidFill>
+              </a:rPr>
+              <a:t>7v4–</a:t>
+            </a:r>
+            <a:r>
+              <a:rPr lang="fr-FR" sz="1000" dirty="0" err="1">
+                <a:solidFill>
+                  <a:schemeClr val="bg1"/>
+                </a:solidFill>
+              </a:rPr>
+              <a:t>Gpio-Gnd</a:t>
+            </a:r>
+            <a:endParaRPr lang="fr-FR" sz="1000" dirty="0">
+              <a:solidFill>
+                <a:schemeClr val="bg1"/>
+              </a:solidFill>
+            </a:endParaRPr>
+          </a:p>
+          <a:p>
+            <a:pPr algn="ctr"/>
+            <a:r>
+              <a:rPr lang="fr-FR" sz="1000" dirty="0">
+                <a:solidFill>
+                  <a:schemeClr val="bg1"/>
+                </a:solidFill>
+              </a:rPr>
+              <a:t>GPIO20</a:t>
+            </a:r>
+          </a:p>
+          <a:p>
+            <a:pPr algn="ctr">
+              <a:lnSpc>
+                <a:spcPct val="150000"/>
+              </a:lnSpc>
+            </a:pPr>
+            <a:r>
+              <a:rPr lang="fr-FR" sz="1000" dirty="0">
+                <a:solidFill>
+                  <a:schemeClr val="bg1"/>
+                </a:solidFill>
+              </a:rPr>
+              <a:t>GPIO21</a:t>
+            </a:r>
           </a:p>
         </p:txBody>
       </p:sp>
